--- a/一切歌頌讚美(崇拜版).pptx
+++ b/一切歌頌讚美(崇拜版).pptx
@@ -2,13 +2,13 @@
 <file path=ppt/presentation.xml><?xml version="1.0" encoding="utf-8"?>
 <p:presentation xmlns:a="http://schemas.openxmlformats.org/drawingml/2006/main" xmlns:r="http://schemas.openxmlformats.org/officeDocument/2006/relationships" xmlns:p="http://schemas.openxmlformats.org/presentationml/2006/main" saveSubsetFonts="1">
   <p:sldMasterIdLst>
-    <p:sldMasterId id="2147483648" r:id="rId1"/>
+    <p:sldMasterId id="2147483660" r:id="rId1"/>
   </p:sldMasterIdLst>
   <p:sldIdLst>
     <p:sldId id="256" r:id="rId2"/>
     <p:sldId id="257" r:id="rId3"/>
   </p:sldIdLst>
-  <p:sldSz cx="9144000" cy="6858000" type="screen4x3"/>
+  <p:sldSz cx="9144000" cy="5143500" type="screen16x9"/>
   <p:notesSz cx="6858000" cy="9144000"/>
   <p:defaultTextStyle>
     <a:defPPr>
@@ -137,8 +137,8 @@
         </p:nvSpPr>
         <p:spPr>
           <a:xfrm>
-            <a:off x="685800" y="2130425"/>
-            <a:ext cx="7772400" cy="1470025"/>
+            <a:off x="685800" y="1597819"/>
+            <a:ext cx="7772400" cy="1102519"/>
           </a:xfrm>
         </p:spPr>
         <p:txBody>
@@ -146,8 +146,8 @@
           <a:lstStyle/>
           <a:p>
             <a:r>
-              <a:rPr lang="zh-TW" altLang="en-US" smtClean="0"/>
-              <a:t>按一下以編輯母片標題樣式</a:t>
+              <a:rPr lang="en-US" altLang="zh-TW" smtClean="0"/>
+              <a:t>Click to edit Master title style</a:t>
             </a:r>
             <a:endParaRPr lang="zh-TW" altLang="en-US"/>
           </a:p>
@@ -165,8 +165,8 @@
         </p:nvSpPr>
         <p:spPr>
           <a:xfrm>
-            <a:off x="1371600" y="3886200"/>
-            <a:ext cx="6400800" cy="1752600"/>
+            <a:off x="1371600" y="2914650"/>
+            <a:ext cx="6400800" cy="1314450"/>
           </a:xfrm>
         </p:spPr>
         <p:txBody>
@@ -265,8 +265,8 @@
           </a:lstStyle>
           <a:p>
             <a:r>
-              <a:rPr lang="zh-TW" altLang="en-US" smtClean="0"/>
-              <a:t>按一下以編輯母片副標題樣式</a:t>
+              <a:rPr lang="en-US" altLang="zh-TW" smtClean="0"/>
+              <a:t>Click to edit Master subtitle style</a:t>
             </a:r>
             <a:endParaRPr lang="zh-TW" altLang="en-US"/>
           </a:p>
@@ -289,7 +289,7 @@
           <a:p>
             <a:fld id="{BFEB1A99-8C3F-4D98-8584-B5DB38B1A655}" type="datetimeFigureOut">
               <a:rPr lang="zh-TW" altLang="en-US" smtClean="0"/>
-              <a:t>2017/6/18</a:t>
+              <a:t>2019/8/24</a:t>
             </a:fld>
             <a:endParaRPr lang="zh-TW" altLang="en-US"/>
           </a:p>
@@ -378,8 +378,8 @@
           <a:lstStyle/>
           <a:p>
             <a:r>
-              <a:rPr lang="zh-TW" altLang="en-US" smtClean="0"/>
-              <a:t>按一下以編輯母片標題樣式</a:t>
+              <a:rPr lang="en-US" altLang="zh-TW" smtClean="0"/>
+              <a:t>Click to edit Master title style</a:t>
             </a:r>
             <a:endParaRPr lang="zh-TW" altLang="en-US"/>
           </a:p>
@@ -402,36 +402,36 @@
           <a:p>
             <a:pPr lvl="0"/>
             <a:r>
-              <a:rPr lang="zh-TW" altLang="en-US" smtClean="0"/>
-              <a:t>按一下以編輯母片文字樣式</a:t>
+              <a:rPr lang="en-US" altLang="zh-TW" smtClean="0"/>
+              <a:t>Click to edit Master text styles</a:t>
             </a:r>
           </a:p>
           <a:p>
             <a:pPr lvl="1"/>
             <a:r>
-              <a:rPr lang="zh-TW" altLang="en-US" smtClean="0"/>
-              <a:t>第二層</a:t>
+              <a:rPr lang="en-US" altLang="zh-TW" smtClean="0"/>
+              <a:t>Second level</a:t>
             </a:r>
           </a:p>
           <a:p>
             <a:pPr lvl="2"/>
             <a:r>
-              <a:rPr lang="zh-TW" altLang="en-US" smtClean="0"/>
-              <a:t>第三層</a:t>
+              <a:rPr lang="en-US" altLang="zh-TW" smtClean="0"/>
+              <a:t>Third level</a:t>
             </a:r>
           </a:p>
           <a:p>
             <a:pPr lvl="3"/>
             <a:r>
-              <a:rPr lang="zh-TW" altLang="en-US" smtClean="0"/>
-              <a:t>第四層</a:t>
+              <a:rPr lang="en-US" altLang="zh-TW" smtClean="0"/>
+              <a:t>Fourth level</a:t>
             </a:r>
           </a:p>
           <a:p>
             <a:pPr lvl="4"/>
             <a:r>
-              <a:rPr lang="zh-TW" altLang="en-US" smtClean="0"/>
-              <a:t>第五層</a:t>
+              <a:rPr lang="en-US" altLang="zh-TW" smtClean="0"/>
+              <a:t>Fifth level</a:t>
             </a:r>
             <a:endParaRPr lang="zh-TW" altLang="en-US"/>
           </a:p>
@@ -454,7 +454,7 @@
           <a:p>
             <a:fld id="{BFEB1A99-8C3F-4D98-8584-B5DB38B1A655}" type="datetimeFigureOut">
               <a:rPr lang="zh-TW" altLang="en-US" smtClean="0"/>
-              <a:t>2017/6/18</a:t>
+              <a:t>2019/8/24</a:t>
             </a:fld>
             <a:endParaRPr lang="zh-TW" altLang="en-US"/>
           </a:p>
@@ -539,8 +539,8 @@
         </p:nvSpPr>
         <p:spPr>
           <a:xfrm>
-            <a:off x="6629400" y="274638"/>
-            <a:ext cx="2057400" cy="5851525"/>
+            <a:off x="6629400" y="205979"/>
+            <a:ext cx="2057400" cy="4388644"/>
           </a:xfrm>
         </p:spPr>
         <p:txBody>
@@ -548,8 +548,8 @@
           <a:lstStyle/>
           <a:p>
             <a:r>
-              <a:rPr lang="zh-TW" altLang="en-US" smtClean="0"/>
-              <a:t>按一下以編輯母片標題樣式</a:t>
+              <a:rPr lang="en-US" altLang="zh-TW" smtClean="0"/>
+              <a:t>Click to edit Master title style</a:t>
             </a:r>
             <a:endParaRPr lang="zh-TW" altLang="en-US"/>
           </a:p>
@@ -567,8 +567,8 @@
         </p:nvSpPr>
         <p:spPr>
           <a:xfrm>
-            <a:off x="457200" y="274638"/>
-            <a:ext cx="6019800" cy="5851525"/>
+            <a:off x="457200" y="205979"/>
+            <a:ext cx="6019800" cy="4388644"/>
           </a:xfrm>
         </p:spPr>
         <p:txBody>
@@ -577,36 +577,36 @@
           <a:p>
             <a:pPr lvl="0"/>
             <a:r>
-              <a:rPr lang="zh-TW" altLang="en-US" smtClean="0"/>
-              <a:t>按一下以編輯母片文字樣式</a:t>
+              <a:rPr lang="en-US" altLang="zh-TW" smtClean="0"/>
+              <a:t>Click to edit Master text styles</a:t>
             </a:r>
           </a:p>
           <a:p>
             <a:pPr lvl="1"/>
             <a:r>
-              <a:rPr lang="zh-TW" altLang="en-US" smtClean="0"/>
-              <a:t>第二層</a:t>
+              <a:rPr lang="en-US" altLang="zh-TW" smtClean="0"/>
+              <a:t>Second level</a:t>
             </a:r>
           </a:p>
           <a:p>
             <a:pPr lvl="2"/>
             <a:r>
-              <a:rPr lang="zh-TW" altLang="en-US" smtClean="0"/>
-              <a:t>第三層</a:t>
+              <a:rPr lang="en-US" altLang="zh-TW" smtClean="0"/>
+              <a:t>Third level</a:t>
             </a:r>
           </a:p>
           <a:p>
             <a:pPr lvl="3"/>
             <a:r>
-              <a:rPr lang="zh-TW" altLang="en-US" smtClean="0"/>
-              <a:t>第四層</a:t>
+              <a:rPr lang="en-US" altLang="zh-TW" smtClean="0"/>
+              <a:t>Fourth level</a:t>
             </a:r>
           </a:p>
           <a:p>
             <a:pPr lvl="4"/>
             <a:r>
-              <a:rPr lang="zh-TW" altLang="en-US" smtClean="0"/>
-              <a:t>第五層</a:t>
+              <a:rPr lang="en-US" altLang="zh-TW" smtClean="0"/>
+              <a:t>Fifth level</a:t>
             </a:r>
             <a:endParaRPr lang="zh-TW" altLang="en-US"/>
           </a:p>
@@ -629,7 +629,7 @@
           <a:p>
             <a:fld id="{BFEB1A99-8C3F-4D98-8584-B5DB38B1A655}" type="datetimeFigureOut">
               <a:rPr lang="zh-TW" altLang="en-US" smtClean="0"/>
-              <a:t>2017/6/18</a:t>
+              <a:t>2019/8/24</a:t>
             </a:fld>
             <a:endParaRPr lang="zh-TW" altLang="en-US"/>
           </a:p>
@@ -718,8 +718,8 @@
           <a:lstStyle/>
           <a:p>
             <a:r>
-              <a:rPr lang="zh-TW" altLang="en-US" smtClean="0"/>
-              <a:t>按一下以編輯母片標題樣式</a:t>
+              <a:rPr lang="en-US" altLang="zh-TW" smtClean="0"/>
+              <a:t>Click to edit Master title style</a:t>
             </a:r>
             <a:endParaRPr lang="zh-TW" altLang="en-US"/>
           </a:p>
@@ -742,36 +742,36 @@
           <a:p>
             <a:pPr lvl="0"/>
             <a:r>
-              <a:rPr lang="zh-TW" altLang="en-US" smtClean="0"/>
-              <a:t>按一下以編輯母片文字樣式</a:t>
+              <a:rPr lang="en-US" altLang="zh-TW" smtClean="0"/>
+              <a:t>Click to edit Master text styles</a:t>
             </a:r>
           </a:p>
           <a:p>
             <a:pPr lvl="1"/>
             <a:r>
-              <a:rPr lang="zh-TW" altLang="en-US" smtClean="0"/>
-              <a:t>第二層</a:t>
+              <a:rPr lang="en-US" altLang="zh-TW" smtClean="0"/>
+              <a:t>Second level</a:t>
             </a:r>
           </a:p>
           <a:p>
             <a:pPr lvl="2"/>
             <a:r>
-              <a:rPr lang="zh-TW" altLang="en-US" smtClean="0"/>
-              <a:t>第三層</a:t>
+              <a:rPr lang="en-US" altLang="zh-TW" smtClean="0"/>
+              <a:t>Third level</a:t>
             </a:r>
           </a:p>
           <a:p>
             <a:pPr lvl="3"/>
             <a:r>
-              <a:rPr lang="zh-TW" altLang="en-US" smtClean="0"/>
-              <a:t>第四層</a:t>
+              <a:rPr lang="en-US" altLang="zh-TW" smtClean="0"/>
+              <a:t>Fourth level</a:t>
             </a:r>
           </a:p>
           <a:p>
             <a:pPr lvl="4"/>
             <a:r>
-              <a:rPr lang="zh-TW" altLang="en-US" smtClean="0"/>
-              <a:t>第五層</a:t>
+              <a:rPr lang="en-US" altLang="zh-TW" smtClean="0"/>
+              <a:t>Fifth level</a:t>
             </a:r>
             <a:endParaRPr lang="zh-TW" altLang="en-US"/>
           </a:p>
@@ -794,7 +794,7 @@
           <a:p>
             <a:fld id="{BFEB1A99-8C3F-4D98-8584-B5DB38B1A655}" type="datetimeFigureOut">
               <a:rPr lang="zh-TW" altLang="en-US" smtClean="0"/>
-              <a:t>2017/6/18</a:t>
+              <a:t>2019/8/24</a:t>
             </a:fld>
             <a:endParaRPr lang="zh-TW" altLang="en-US"/>
           </a:p>
@@ -879,8 +879,8 @@
         </p:nvSpPr>
         <p:spPr>
           <a:xfrm>
-            <a:off x="722313" y="4406900"/>
-            <a:ext cx="7772400" cy="1362075"/>
+            <a:off x="722313" y="3305176"/>
+            <a:ext cx="7772400" cy="1021556"/>
           </a:xfrm>
         </p:spPr>
         <p:txBody>
@@ -892,8 +892,8 @@
           </a:lstStyle>
           <a:p>
             <a:r>
-              <a:rPr lang="zh-TW" altLang="en-US" smtClean="0"/>
-              <a:t>按一下以編輯母片標題樣式</a:t>
+              <a:rPr lang="en-US" altLang="zh-TW" smtClean="0"/>
+              <a:t>Click to edit Master title style</a:t>
             </a:r>
             <a:endParaRPr lang="zh-TW" altLang="en-US"/>
           </a:p>
@@ -911,8 +911,8 @@
         </p:nvSpPr>
         <p:spPr>
           <a:xfrm>
-            <a:off x="722313" y="2906713"/>
-            <a:ext cx="7772400" cy="1500187"/>
+            <a:off x="722313" y="2180035"/>
+            <a:ext cx="7772400" cy="1125140"/>
           </a:xfrm>
         </p:spPr>
         <p:txBody>
@@ -1012,8 +1012,8 @@
           <a:p>
             <a:pPr lvl="0"/>
             <a:r>
-              <a:rPr lang="zh-TW" altLang="en-US" smtClean="0"/>
-              <a:t>按一下以編輯母片文字樣式</a:t>
+              <a:rPr lang="en-US" altLang="zh-TW" smtClean="0"/>
+              <a:t>Click to edit Master text styles</a:t>
             </a:r>
           </a:p>
         </p:txBody>
@@ -1035,7 +1035,7 @@
           <a:p>
             <a:fld id="{BFEB1A99-8C3F-4D98-8584-B5DB38B1A655}" type="datetimeFigureOut">
               <a:rPr lang="zh-TW" altLang="en-US" smtClean="0"/>
-              <a:t>2017/6/18</a:t>
+              <a:t>2019/8/24</a:t>
             </a:fld>
             <a:endParaRPr lang="zh-TW" altLang="en-US"/>
           </a:p>
@@ -1124,8 +1124,8 @@
           <a:lstStyle/>
           <a:p>
             <a:r>
-              <a:rPr lang="zh-TW" altLang="en-US" smtClean="0"/>
-              <a:t>按一下以編輯母片標題樣式</a:t>
+              <a:rPr lang="en-US" altLang="zh-TW" smtClean="0"/>
+              <a:t>Click to edit Master title style</a:t>
             </a:r>
             <a:endParaRPr lang="zh-TW" altLang="en-US"/>
           </a:p>
@@ -1143,8 +1143,8 @@
         </p:nvSpPr>
         <p:spPr>
           <a:xfrm>
-            <a:off x="457200" y="1600200"/>
-            <a:ext cx="4038600" cy="4525963"/>
+            <a:off x="457200" y="1200151"/>
+            <a:ext cx="4038600" cy="3394472"/>
           </a:xfrm>
         </p:spPr>
         <p:txBody>
@@ -1181,36 +1181,36 @@
           <a:p>
             <a:pPr lvl="0"/>
             <a:r>
-              <a:rPr lang="zh-TW" altLang="en-US" smtClean="0"/>
-              <a:t>按一下以編輯母片文字樣式</a:t>
+              <a:rPr lang="en-US" altLang="zh-TW" smtClean="0"/>
+              <a:t>Click to edit Master text styles</a:t>
             </a:r>
           </a:p>
           <a:p>
             <a:pPr lvl="1"/>
             <a:r>
-              <a:rPr lang="zh-TW" altLang="en-US" smtClean="0"/>
-              <a:t>第二層</a:t>
+              <a:rPr lang="en-US" altLang="zh-TW" smtClean="0"/>
+              <a:t>Second level</a:t>
             </a:r>
           </a:p>
           <a:p>
             <a:pPr lvl="2"/>
             <a:r>
-              <a:rPr lang="zh-TW" altLang="en-US" smtClean="0"/>
-              <a:t>第三層</a:t>
+              <a:rPr lang="en-US" altLang="zh-TW" smtClean="0"/>
+              <a:t>Third level</a:t>
             </a:r>
           </a:p>
           <a:p>
             <a:pPr lvl="3"/>
             <a:r>
-              <a:rPr lang="zh-TW" altLang="en-US" smtClean="0"/>
-              <a:t>第四層</a:t>
+              <a:rPr lang="en-US" altLang="zh-TW" smtClean="0"/>
+              <a:t>Fourth level</a:t>
             </a:r>
           </a:p>
           <a:p>
             <a:pPr lvl="4"/>
             <a:r>
-              <a:rPr lang="zh-TW" altLang="en-US" smtClean="0"/>
-              <a:t>第五層</a:t>
+              <a:rPr lang="en-US" altLang="zh-TW" smtClean="0"/>
+              <a:t>Fifth level</a:t>
             </a:r>
             <a:endParaRPr lang="zh-TW" altLang="en-US"/>
           </a:p>
@@ -1228,8 +1228,8 @@
         </p:nvSpPr>
         <p:spPr>
           <a:xfrm>
-            <a:off x="4648200" y="1600200"/>
-            <a:ext cx="4038600" cy="4525963"/>
+            <a:off x="4648200" y="1200151"/>
+            <a:ext cx="4038600" cy="3394472"/>
           </a:xfrm>
         </p:spPr>
         <p:txBody>
@@ -1266,36 +1266,36 @@
           <a:p>
             <a:pPr lvl="0"/>
             <a:r>
-              <a:rPr lang="zh-TW" altLang="en-US" smtClean="0"/>
-              <a:t>按一下以編輯母片文字樣式</a:t>
+              <a:rPr lang="en-US" altLang="zh-TW" smtClean="0"/>
+              <a:t>Click to edit Master text styles</a:t>
             </a:r>
           </a:p>
           <a:p>
             <a:pPr lvl="1"/>
             <a:r>
-              <a:rPr lang="zh-TW" altLang="en-US" smtClean="0"/>
-              <a:t>第二層</a:t>
+              <a:rPr lang="en-US" altLang="zh-TW" smtClean="0"/>
+              <a:t>Second level</a:t>
             </a:r>
           </a:p>
           <a:p>
             <a:pPr lvl="2"/>
             <a:r>
-              <a:rPr lang="zh-TW" altLang="en-US" smtClean="0"/>
-              <a:t>第三層</a:t>
+              <a:rPr lang="en-US" altLang="zh-TW" smtClean="0"/>
+              <a:t>Third level</a:t>
             </a:r>
           </a:p>
           <a:p>
             <a:pPr lvl="3"/>
             <a:r>
-              <a:rPr lang="zh-TW" altLang="en-US" smtClean="0"/>
-              <a:t>第四層</a:t>
+              <a:rPr lang="en-US" altLang="zh-TW" smtClean="0"/>
+              <a:t>Fourth level</a:t>
             </a:r>
           </a:p>
           <a:p>
             <a:pPr lvl="4"/>
             <a:r>
-              <a:rPr lang="zh-TW" altLang="en-US" smtClean="0"/>
-              <a:t>第五層</a:t>
+              <a:rPr lang="en-US" altLang="zh-TW" smtClean="0"/>
+              <a:t>Fifth level</a:t>
             </a:r>
             <a:endParaRPr lang="zh-TW" altLang="en-US"/>
           </a:p>
@@ -1318,7 +1318,7 @@
           <a:p>
             <a:fld id="{BFEB1A99-8C3F-4D98-8584-B5DB38B1A655}" type="datetimeFigureOut">
               <a:rPr lang="zh-TW" altLang="en-US" smtClean="0"/>
-              <a:t>2017/6/18</a:t>
+              <a:t>2019/8/24</a:t>
             </a:fld>
             <a:endParaRPr lang="zh-TW" altLang="en-US"/>
           </a:p>
@@ -1411,8 +1411,8 @@
           </a:lstStyle>
           <a:p>
             <a:r>
-              <a:rPr lang="zh-TW" altLang="en-US" smtClean="0"/>
-              <a:t>按一下以編輯母片標題樣式</a:t>
+              <a:rPr lang="en-US" altLang="zh-TW" smtClean="0"/>
+              <a:t>Click to edit Master title style</a:t>
             </a:r>
             <a:endParaRPr lang="zh-TW" altLang="en-US"/>
           </a:p>
@@ -1430,8 +1430,8 @@
         </p:nvSpPr>
         <p:spPr>
           <a:xfrm>
-            <a:off x="457200" y="1535113"/>
-            <a:ext cx="4040188" cy="639762"/>
+            <a:off x="457200" y="1151335"/>
+            <a:ext cx="4040188" cy="479822"/>
           </a:xfrm>
         </p:spPr>
         <p:txBody>
@@ -1477,8 +1477,8 @@
           <a:p>
             <a:pPr lvl="0"/>
             <a:r>
-              <a:rPr lang="zh-TW" altLang="en-US" smtClean="0"/>
-              <a:t>按一下以編輯母片文字樣式</a:t>
+              <a:rPr lang="en-US" altLang="zh-TW" smtClean="0"/>
+              <a:t>Click to edit Master text styles</a:t>
             </a:r>
           </a:p>
         </p:txBody>
@@ -1495,8 +1495,8 @@
         </p:nvSpPr>
         <p:spPr>
           <a:xfrm>
-            <a:off x="457200" y="2174875"/>
-            <a:ext cx="4040188" cy="3951288"/>
+            <a:off x="457200" y="1631156"/>
+            <a:ext cx="4040188" cy="2963466"/>
           </a:xfrm>
         </p:spPr>
         <p:txBody>
@@ -1533,36 +1533,36 @@
           <a:p>
             <a:pPr lvl="0"/>
             <a:r>
-              <a:rPr lang="zh-TW" altLang="en-US" smtClean="0"/>
-              <a:t>按一下以編輯母片文字樣式</a:t>
+              <a:rPr lang="en-US" altLang="zh-TW" smtClean="0"/>
+              <a:t>Click to edit Master text styles</a:t>
             </a:r>
           </a:p>
           <a:p>
             <a:pPr lvl="1"/>
             <a:r>
-              <a:rPr lang="zh-TW" altLang="en-US" smtClean="0"/>
-              <a:t>第二層</a:t>
+              <a:rPr lang="en-US" altLang="zh-TW" smtClean="0"/>
+              <a:t>Second level</a:t>
             </a:r>
           </a:p>
           <a:p>
             <a:pPr lvl="2"/>
             <a:r>
-              <a:rPr lang="zh-TW" altLang="en-US" smtClean="0"/>
-              <a:t>第三層</a:t>
+              <a:rPr lang="en-US" altLang="zh-TW" smtClean="0"/>
+              <a:t>Third level</a:t>
             </a:r>
           </a:p>
           <a:p>
             <a:pPr lvl="3"/>
             <a:r>
-              <a:rPr lang="zh-TW" altLang="en-US" smtClean="0"/>
-              <a:t>第四層</a:t>
+              <a:rPr lang="en-US" altLang="zh-TW" smtClean="0"/>
+              <a:t>Fourth level</a:t>
             </a:r>
           </a:p>
           <a:p>
             <a:pPr lvl="4"/>
             <a:r>
-              <a:rPr lang="zh-TW" altLang="en-US" smtClean="0"/>
-              <a:t>第五層</a:t>
+              <a:rPr lang="en-US" altLang="zh-TW" smtClean="0"/>
+              <a:t>Fifth level</a:t>
             </a:r>
             <a:endParaRPr lang="zh-TW" altLang="en-US"/>
           </a:p>
@@ -1580,8 +1580,8 @@
         </p:nvSpPr>
         <p:spPr>
           <a:xfrm>
-            <a:off x="4645025" y="1535113"/>
-            <a:ext cx="4041775" cy="639762"/>
+            <a:off x="4645026" y="1151335"/>
+            <a:ext cx="4041775" cy="479822"/>
           </a:xfrm>
         </p:spPr>
         <p:txBody>
@@ -1627,8 +1627,8 @@
           <a:p>
             <a:pPr lvl="0"/>
             <a:r>
-              <a:rPr lang="zh-TW" altLang="en-US" smtClean="0"/>
-              <a:t>按一下以編輯母片文字樣式</a:t>
+              <a:rPr lang="en-US" altLang="zh-TW" smtClean="0"/>
+              <a:t>Click to edit Master text styles</a:t>
             </a:r>
           </a:p>
         </p:txBody>
@@ -1645,8 +1645,8 @@
         </p:nvSpPr>
         <p:spPr>
           <a:xfrm>
-            <a:off x="4645025" y="2174875"/>
-            <a:ext cx="4041775" cy="3951288"/>
+            <a:off x="4645026" y="1631156"/>
+            <a:ext cx="4041775" cy="2963466"/>
           </a:xfrm>
         </p:spPr>
         <p:txBody>
@@ -1683,36 +1683,36 @@
           <a:p>
             <a:pPr lvl="0"/>
             <a:r>
-              <a:rPr lang="zh-TW" altLang="en-US" smtClean="0"/>
-              <a:t>按一下以編輯母片文字樣式</a:t>
+              <a:rPr lang="en-US" altLang="zh-TW" smtClean="0"/>
+              <a:t>Click to edit Master text styles</a:t>
             </a:r>
           </a:p>
           <a:p>
             <a:pPr lvl="1"/>
             <a:r>
-              <a:rPr lang="zh-TW" altLang="en-US" smtClean="0"/>
-              <a:t>第二層</a:t>
+              <a:rPr lang="en-US" altLang="zh-TW" smtClean="0"/>
+              <a:t>Second level</a:t>
             </a:r>
           </a:p>
           <a:p>
             <a:pPr lvl="2"/>
             <a:r>
-              <a:rPr lang="zh-TW" altLang="en-US" smtClean="0"/>
-              <a:t>第三層</a:t>
+              <a:rPr lang="en-US" altLang="zh-TW" smtClean="0"/>
+              <a:t>Third level</a:t>
             </a:r>
           </a:p>
           <a:p>
             <a:pPr lvl="3"/>
             <a:r>
-              <a:rPr lang="zh-TW" altLang="en-US" smtClean="0"/>
-              <a:t>第四層</a:t>
+              <a:rPr lang="en-US" altLang="zh-TW" smtClean="0"/>
+              <a:t>Fourth level</a:t>
             </a:r>
           </a:p>
           <a:p>
             <a:pPr lvl="4"/>
             <a:r>
-              <a:rPr lang="zh-TW" altLang="en-US" smtClean="0"/>
-              <a:t>第五層</a:t>
+              <a:rPr lang="en-US" altLang="zh-TW" smtClean="0"/>
+              <a:t>Fifth level</a:t>
             </a:r>
             <a:endParaRPr lang="zh-TW" altLang="en-US"/>
           </a:p>
@@ -1735,7 +1735,7 @@
           <a:p>
             <a:fld id="{BFEB1A99-8C3F-4D98-8584-B5DB38B1A655}" type="datetimeFigureOut">
               <a:rPr lang="zh-TW" altLang="en-US" smtClean="0"/>
-              <a:t>2017/6/18</a:t>
+              <a:t>2019/8/24</a:t>
             </a:fld>
             <a:endParaRPr lang="zh-TW" altLang="en-US"/>
           </a:p>
@@ -1824,8 +1824,8 @@
           <a:lstStyle/>
           <a:p>
             <a:r>
-              <a:rPr lang="zh-TW" altLang="en-US" smtClean="0"/>
-              <a:t>按一下以編輯母片標題樣式</a:t>
+              <a:rPr lang="en-US" altLang="zh-TW" smtClean="0"/>
+              <a:t>Click to edit Master title style</a:t>
             </a:r>
             <a:endParaRPr lang="zh-TW" altLang="en-US"/>
           </a:p>
@@ -1848,7 +1848,7 @@
           <a:p>
             <a:fld id="{BFEB1A99-8C3F-4D98-8584-B5DB38B1A655}" type="datetimeFigureOut">
               <a:rPr lang="zh-TW" altLang="en-US" smtClean="0"/>
-              <a:t>2017/6/18</a:t>
+              <a:t>2019/8/24</a:t>
             </a:fld>
             <a:endParaRPr lang="zh-TW" altLang="en-US"/>
           </a:p>
@@ -1938,7 +1938,7 @@
           <a:p>
             <a:fld id="{BFEB1A99-8C3F-4D98-8584-B5DB38B1A655}" type="datetimeFigureOut">
               <a:rPr lang="zh-TW" altLang="en-US" smtClean="0"/>
-              <a:t>2017/6/18</a:t>
+              <a:t>2019/8/24</a:t>
             </a:fld>
             <a:endParaRPr lang="zh-TW" altLang="en-US"/>
           </a:p>
@@ -2023,8 +2023,8 @@
         </p:nvSpPr>
         <p:spPr>
           <a:xfrm>
-            <a:off x="457200" y="273050"/>
-            <a:ext cx="3008313" cy="1162050"/>
+            <a:off x="457201" y="204787"/>
+            <a:ext cx="3008313" cy="871538"/>
           </a:xfrm>
         </p:spPr>
         <p:txBody>
@@ -2036,8 +2036,8 @@
           </a:lstStyle>
           <a:p>
             <a:r>
-              <a:rPr lang="zh-TW" altLang="en-US" smtClean="0"/>
-              <a:t>按一下以編輯母片標題樣式</a:t>
+              <a:rPr lang="en-US" altLang="zh-TW" smtClean="0"/>
+              <a:t>Click to edit Master title style</a:t>
             </a:r>
             <a:endParaRPr lang="zh-TW" altLang="en-US"/>
           </a:p>
@@ -2055,8 +2055,8 @@
         </p:nvSpPr>
         <p:spPr>
           <a:xfrm>
-            <a:off x="3575050" y="273050"/>
-            <a:ext cx="5111750" cy="5853113"/>
+            <a:off x="3575050" y="204788"/>
+            <a:ext cx="5111750" cy="4389835"/>
           </a:xfrm>
         </p:spPr>
         <p:txBody>
@@ -2093,36 +2093,36 @@
           <a:p>
             <a:pPr lvl="0"/>
             <a:r>
-              <a:rPr lang="zh-TW" altLang="en-US" smtClean="0"/>
-              <a:t>按一下以編輯母片文字樣式</a:t>
+              <a:rPr lang="en-US" altLang="zh-TW" smtClean="0"/>
+              <a:t>Click to edit Master text styles</a:t>
             </a:r>
           </a:p>
           <a:p>
             <a:pPr lvl="1"/>
             <a:r>
-              <a:rPr lang="zh-TW" altLang="en-US" smtClean="0"/>
-              <a:t>第二層</a:t>
+              <a:rPr lang="en-US" altLang="zh-TW" smtClean="0"/>
+              <a:t>Second level</a:t>
             </a:r>
           </a:p>
           <a:p>
             <a:pPr lvl="2"/>
             <a:r>
-              <a:rPr lang="zh-TW" altLang="en-US" smtClean="0"/>
-              <a:t>第三層</a:t>
+              <a:rPr lang="en-US" altLang="zh-TW" smtClean="0"/>
+              <a:t>Third level</a:t>
             </a:r>
           </a:p>
           <a:p>
             <a:pPr lvl="3"/>
             <a:r>
-              <a:rPr lang="zh-TW" altLang="en-US" smtClean="0"/>
-              <a:t>第四層</a:t>
+              <a:rPr lang="en-US" altLang="zh-TW" smtClean="0"/>
+              <a:t>Fourth level</a:t>
             </a:r>
           </a:p>
           <a:p>
             <a:pPr lvl="4"/>
             <a:r>
-              <a:rPr lang="zh-TW" altLang="en-US" smtClean="0"/>
-              <a:t>第五層</a:t>
+              <a:rPr lang="en-US" altLang="zh-TW" smtClean="0"/>
+              <a:t>Fifth level</a:t>
             </a:r>
             <a:endParaRPr lang="zh-TW" altLang="en-US"/>
           </a:p>
@@ -2140,8 +2140,8 @@
         </p:nvSpPr>
         <p:spPr>
           <a:xfrm>
-            <a:off x="457200" y="1435100"/>
-            <a:ext cx="3008313" cy="4691063"/>
+            <a:off x="457201" y="1076326"/>
+            <a:ext cx="3008313" cy="3518297"/>
           </a:xfrm>
         </p:spPr>
         <p:txBody>
@@ -2187,8 +2187,8 @@
           <a:p>
             <a:pPr lvl="0"/>
             <a:r>
-              <a:rPr lang="zh-TW" altLang="en-US" smtClean="0"/>
-              <a:t>按一下以編輯母片文字樣式</a:t>
+              <a:rPr lang="en-US" altLang="zh-TW" smtClean="0"/>
+              <a:t>Click to edit Master text styles</a:t>
             </a:r>
           </a:p>
         </p:txBody>
@@ -2210,7 +2210,7 @@
           <a:p>
             <a:fld id="{BFEB1A99-8C3F-4D98-8584-B5DB38B1A655}" type="datetimeFigureOut">
               <a:rPr lang="zh-TW" altLang="en-US" smtClean="0"/>
-              <a:t>2017/6/18</a:t>
+              <a:t>2019/8/24</a:t>
             </a:fld>
             <a:endParaRPr lang="zh-TW" altLang="en-US"/>
           </a:p>
@@ -2295,8 +2295,8 @@
         </p:nvSpPr>
         <p:spPr>
           <a:xfrm>
-            <a:off x="1792288" y="4800600"/>
-            <a:ext cx="5486400" cy="566738"/>
+            <a:off x="1792288" y="3600450"/>
+            <a:ext cx="5486400" cy="425054"/>
           </a:xfrm>
         </p:spPr>
         <p:txBody>
@@ -2308,8 +2308,8 @@
           </a:lstStyle>
           <a:p>
             <a:r>
-              <a:rPr lang="zh-TW" altLang="en-US" smtClean="0"/>
-              <a:t>按一下以編輯母片標題樣式</a:t>
+              <a:rPr lang="en-US" altLang="zh-TW" smtClean="0"/>
+              <a:t>Click to edit Master title style</a:t>
             </a:r>
             <a:endParaRPr lang="zh-TW" altLang="en-US"/>
           </a:p>
@@ -2327,8 +2327,8 @@
         </p:nvSpPr>
         <p:spPr>
           <a:xfrm>
-            <a:off x="1792288" y="612775"/>
-            <a:ext cx="5486400" cy="4114800"/>
+            <a:off x="1792288" y="459581"/>
+            <a:ext cx="5486400" cy="3086100"/>
           </a:xfrm>
         </p:spPr>
         <p:txBody>
@@ -2372,6 +2372,10 @@
             </a:lvl9pPr>
           </a:lstStyle>
           <a:p>
+            <a:r>
+              <a:rPr lang="en-US" altLang="zh-TW" smtClean="0"/>
+              <a:t>Click icon to add picture</a:t>
+            </a:r>
             <a:endParaRPr lang="zh-TW" altLang="en-US"/>
           </a:p>
         </p:txBody>
@@ -2388,8 +2392,8 @@
         </p:nvSpPr>
         <p:spPr>
           <a:xfrm>
-            <a:off x="1792288" y="5367338"/>
-            <a:ext cx="5486400" cy="804862"/>
+            <a:off x="1792288" y="4025503"/>
+            <a:ext cx="5486400" cy="603647"/>
           </a:xfrm>
         </p:spPr>
         <p:txBody>
@@ -2435,8 +2439,8 @@
           <a:p>
             <a:pPr lvl="0"/>
             <a:r>
-              <a:rPr lang="zh-TW" altLang="en-US" smtClean="0"/>
-              <a:t>按一下以編輯母片文字樣式</a:t>
+              <a:rPr lang="en-US" altLang="zh-TW" smtClean="0"/>
+              <a:t>Click to edit Master text styles</a:t>
             </a:r>
           </a:p>
         </p:txBody>
@@ -2458,7 +2462,7 @@
           <a:p>
             <a:fld id="{BFEB1A99-8C3F-4D98-8584-B5DB38B1A655}" type="datetimeFigureOut">
               <a:rPr lang="zh-TW" altLang="en-US" smtClean="0"/>
-              <a:t>2017/6/18</a:t>
+              <a:t>2019/8/24</a:t>
             </a:fld>
             <a:endParaRPr lang="zh-TW" altLang="en-US"/>
           </a:p>
@@ -2518,9 +2522,14 @@
 <p:sldMaster xmlns:a="http://schemas.openxmlformats.org/drawingml/2006/main" xmlns:r="http://schemas.openxmlformats.org/officeDocument/2006/relationships" xmlns:p="http://schemas.openxmlformats.org/presentationml/2006/main">
   <p:cSld>
     <p:bg>
-      <p:bgRef idx="1001">
-        <a:schemeClr val="bg1"/>
-      </p:bgRef>
+      <p:bgPr>
+        <a:blipFill dpi="0" rotWithShape="1">
+          <a:blip r:embed="rId13"/>
+          <a:srcRect/>
+          <a:tile tx="0" ty="0" sx="100000" sy="100000" flip="none" algn="tl"/>
+        </a:blipFill>
+        <a:effectLst/>
+      </p:bgPr>
     </p:bg>
     <p:spTree>
       <p:nvGrpSpPr>
@@ -2548,8 +2557,8 @@
         </p:nvSpPr>
         <p:spPr>
           <a:xfrm>
-            <a:off x="457200" y="274638"/>
-            <a:ext cx="8229600" cy="1143000"/>
+            <a:off x="457200" y="205979"/>
+            <a:ext cx="8229600" cy="857250"/>
           </a:xfrm>
           <a:prstGeom prst="rect">
             <a:avLst/>
@@ -2581,8 +2590,8 @@
         </p:nvSpPr>
         <p:spPr>
           <a:xfrm>
-            <a:off x="457200" y="1600200"/>
-            <a:ext cx="8229600" cy="4525963"/>
+            <a:off x="457200" y="1200151"/>
+            <a:ext cx="8229600" cy="3394472"/>
           </a:xfrm>
           <a:prstGeom prst="rect">
             <a:avLst/>
@@ -2643,8 +2652,8 @@
         </p:nvSpPr>
         <p:spPr>
           <a:xfrm>
-            <a:off x="457200" y="6356350"/>
-            <a:ext cx="2133600" cy="365125"/>
+            <a:off x="457200" y="4767263"/>
+            <a:ext cx="2133600" cy="273844"/>
           </a:xfrm>
           <a:prstGeom prst="rect">
             <a:avLst/>
@@ -2666,7 +2675,7 @@
           <a:p>
             <a:fld id="{BFEB1A99-8C3F-4D98-8584-B5DB38B1A655}" type="datetimeFigureOut">
               <a:rPr lang="zh-TW" altLang="en-US" smtClean="0"/>
-              <a:t>2017/6/18</a:t>
+              <a:t>2019/8/24</a:t>
             </a:fld>
             <a:endParaRPr lang="zh-TW" altLang="en-US"/>
           </a:p>
@@ -2684,8 +2693,8 @@
         </p:nvSpPr>
         <p:spPr>
           <a:xfrm>
-            <a:off x="3124200" y="6356350"/>
-            <a:ext cx="2895600" cy="365125"/>
+            <a:off x="3124200" y="4767263"/>
+            <a:ext cx="2895600" cy="273844"/>
           </a:xfrm>
           <a:prstGeom prst="rect">
             <a:avLst/>
@@ -2721,8 +2730,8 @@
         </p:nvSpPr>
         <p:spPr>
           <a:xfrm>
-            <a:off x="6553200" y="6356350"/>
-            <a:ext cx="2133600" cy="365125"/>
+            <a:off x="6553200" y="4767263"/>
+            <a:ext cx="2133600" cy="273844"/>
           </a:xfrm>
           <a:prstGeom prst="rect">
             <a:avLst/>
@@ -2754,17 +2763,17 @@
   </p:cSld>
   <p:clrMap bg1="lt1" tx1="dk1" bg2="lt2" tx2="dk2" accent1="accent1" accent2="accent2" accent3="accent3" accent4="accent4" accent5="accent5" accent6="accent6" hlink="hlink" folHlink="folHlink"/>
   <p:sldLayoutIdLst>
-    <p:sldLayoutId id="2147483649" r:id="rId1"/>
-    <p:sldLayoutId id="2147483650" r:id="rId2"/>
-    <p:sldLayoutId id="2147483651" r:id="rId3"/>
-    <p:sldLayoutId id="2147483652" r:id="rId4"/>
-    <p:sldLayoutId id="2147483653" r:id="rId5"/>
-    <p:sldLayoutId id="2147483654" r:id="rId6"/>
-    <p:sldLayoutId id="2147483655" r:id="rId7"/>
-    <p:sldLayoutId id="2147483656" r:id="rId8"/>
-    <p:sldLayoutId id="2147483657" r:id="rId9"/>
-    <p:sldLayoutId id="2147483658" r:id="rId10"/>
-    <p:sldLayoutId id="2147483659" r:id="rId11"/>
+    <p:sldLayoutId id="2147483661" r:id="rId1"/>
+    <p:sldLayoutId id="2147483662" r:id="rId2"/>
+    <p:sldLayoutId id="2147483663" r:id="rId3"/>
+    <p:sldLayoutId id="2147483664" r:id="rId4"/>
+    <p:sldLayoutId id="2147483665" r:id="rId5"/>
+    <p:sldLayoutId id="2147483666" r:id="rId6"/>
+    <p:sldLayoutId id="2147483667" r:id="rId7"/>
+    <p:sldLayoutId id="2147483668" r:id="rId8"/>
+    <p:sldLayoutId id="2147483669" r:id="rId9"/>
+    <p:sldLayoutId id="2147483670" r:id="rId10"/>
+    <p:sldLayoutId id="2147483671" r:id="rId11"/>
   </p:sldLayoutIdLst>
   <p:txStyles>
     <p:titleStyle>
@@ -3048,11 +3057,13 @@
         </p:nvSpPr>
         <p:spPr/>
         <p:txBody>
-          <a:bodyPr/>
-          <a:lstStyle/>
-          <a:p>
-            <a:r>
-              <a:rPr lang="zh-TW" altLang="en-US" b="1" dirty="0" smtClean="0">
+          <a:bodyPr>
+            <a:normAutofit/>
+          </a:bodyPr>
+          <a:lstStyle/>
+          <a:p>
+            <a:r>
+              <a:rPr lang="zh-TW" altLang="en-US" sz="4000" b="1" dirty="0" smtClean="0">
                 <a:solidFill>
                   <a:srgbClr val="000066"/>
                 </a:solidFill>
@@ -3061,7 +3072,7 @@
               </a:rPr>
               <a:t>一切歌頌讚美</a:t>
             </a:r>
-            <a:endParaRPr lang="zh-TW" altLang="en-US" b="1" dirty="0">
+            <a:endParaRPr lang="zh-TW" altLang="en-US" sz="4000" b="1" dirty="0">
               <a:solidFill>
                 <a:srgbClr val="000066"/>
               </a:solidFill>
@@ -3081,7 +3092,12 @@
             <p:ph idx="1"/>
           </p:nvPr>
         </p:nvSpPr>
-        <p:spPr/>
+        <p:spPr>
+          <a:xfrm>
+            <a:off x="0" y="1200150"/>
+            <a:ext cx="9144000" cy="3943349"/>
+          </a:xfrm>
+        </p:spPr>
         <p:txBody>
           <a:bodyPr>
             <a:noAutofit/>
@@ -3092,7 +3108,7 @@
               <a:buNone/>
             </a:pPr>
             <a:r>
-              <a:rPr lang="zh-TW" altLang="en-US" sz="5400" b="1" dirty="0">
+              <a:rPr lang="zh-TW" altLang="en-US" sz="4800" b="1" dirty="0">
                 <a:solidFill>
                   <a:srgbClr val="000066"/>
                 </a:solidFill>
@@ -3102,16 +3118,76 @@
               <a:t>一切歌頌</a:t>
             </a:r>
             <a:r>
-              <a:rPr lang="zh-TW" altLang="en-US" sz="5400" b="1" dirty="0" smtClean="0">
+              <a:rPr lang="zh-TW" altLang="en-US" sz="4800" b="1" dirty="0" smtClean="0">
                 <a:solidFill>
                   <a:srgbClr val="000066"/>
                 </a:solidFill>
                 <a:latin typeface="微軟正黑體" pitchFamily="34" charset="-120"/>
                 <a:ea typeface="微軟正黑體" pitchFamily="34" charset="-120"/>
               </a:rPr>
-              <a:t>讚美</a:t>
-            </a:r>
-            <a:endParaRPr lang="en-US" altLang="zh-TW" sz="5400" b="1" dirty="0" smtClean="0">
+              <a:t>讚</a:t>
+            </a:r>
+            <a:r>
+              <a:rPr lang="zh-TW" altLang="en-US" sz="4800" b="1" dirty="0" smtClean="0">
+                <a:solidFill>
+                  <a:srgbClr val="000066"/>
+                </a:solidFill>
+                <a:latin typeface="微軟正黑體" pitchFamily="34" charset="-120"/>
+                <a:ea typeface="微軟正黑體" pitchFamily="34" charset="-120"/>
+              </a:rPr>
+              <a:t>美</a:t>
+            </a:r>
+            <a:r>
+              <a:rPr lang="en-US" altLang="zh-TW" sz="4800" b="1" dirty="0">
+                <a:solidFill>
+                  <a:srgbClr val="000066"/>
+                </a:solidFill>
+                <a:latin typeface="微軟正黑體" pitchFamily="34" charset="-120"/>
+                <a:ea typeface="微軟正黑體" pitchFamily="34" charset="-120"/>
+              </a:rPr>
+              <a:t> </a:t>
+            </a:r>
+            <a:r>
+              <a:rPr lang="en-US" altLang="zh-TW" sz="4800" b="1" dirty="0" smtClean="0">
+                <a:solidFill>
+                  <a:srgbClr val="000066"/>
+                </a:solidFill>
+                <a:latin typeface="微軟正黑體" pitchFamily="34" charset="-120"/>
+                <a:ea typeface="微軟正黑體" pitchFamily="34" charset="-120"/>
+              </a:rPr>
+              <a:t> </a:t>
+            </a:r>
+            <a:r>
+              <a:rPr lang="zh-TW" altLang="en-US" sz="4800" b="1" dirty="0" smtClean="0">
+                <a:solidFill>
+                  <a:srgbClr val="000066"/>
+                </a:solidFill>
+                <a:latin typeface="微軟正黑體" pitchFamily="34" charset="-120"/>
+                <a:ea typeface="微軟正黑體" pitchFamily="34" charset="-120"/>
+              </a:rPr>
+              <a:t>都</a:t>
+            </a:r>
+            <a:r>
+              <a:rPr lang="zh-TW" altLang="en-US" sz="4800" b="1" dirty="0">
+                <a:solidFill>
+                  <a:srgbClr val="000066"/>
+                </a:solidFill>
+                <a:latin typeface="微軟正黑體" pitchFamily="34" charset="-120"/>
+                <a:ea typeface="微軟正黑體" pitchFamily="34" charset="-120"/>
+              </a:rPr>
+              <a:t>歸我主我的</a:t>
+            </a:r>
+            <a:r>
+              <a:rPr lang="zh-TW" altLang="en-US" sz="4800" b="1" dirty="0" smtClean="0">
+                <a:solidFill>
+                  <a:srgbClr val="000066"/>
+                </a:solidFill>
+                <a:latin typeface="微軟正黑體" pitchFamily="34" charset="-120"/>
+                <a:ea typeface="微軟正黑體" pitchFamily="34" charset="-120"/>
+              </a:rPr>
+              <a:t>神</a:t>
+            </a:r>
+            <a:endParaRPr lang="en-US" altLang="zh-TW" sz="4800" b="1" dirty="0">
               <a:solidFill>
                 <a:srgbClr val="000066"/>
               </a:solidFill>
@@ -3124,36 +3200,36 @@
               <a:buNone/>
             </a:pPr>
             <a:r>
-              <a:rPr lang="zh-TW" altLang="en-US" sz="5400" b="1" dirty="0" smtClean="0">
+              <a:rPr lang="zh-TW" altLang="en-US" sz="4800" b="1" dirty="0" smtClean="0">
                 <a:solidFill>
                   <a:srgbClr val="000066"/>
                 </a:solidFill>
                 <a:latin typeface="微軟正黑體" pitchFamily="34" charset="-120"/>
                 <a:ea typeface="微軟正黑體" pitchFamily="34" charset="-120"/>
               </a:rPr>
-              <a:t>都</a:t>
-            </a:r>
-            <a:r>
-              <a:rPr lang="zh-TW" altLang="en-US" sz="5400" b="1" dirty="0">
+              <a:t>你</a:t>
+            </a:r>
+            <a:r>
+              <a:rPr lang="zh-TW" altLang="en-US" sz="4800" b="1" dirty="0">
                 <a:solidFill>
                   <a:srgbClr val="000066"/>
                 </a:solidFill>
                 <a:latin typeface="微軟正黑體" pitchFamily="34" charset="-120"/>
                 <a:ea typeface="微軟正黑體" pitchFamily="34" charset="-120"/>
               </a:rPr>
-              <a:t>歸我主我的</a:t>
-            </a:r>
-            <a:r>
-              <a:rPr lang="zh-TW" altLang="en-US" sz="5400" b="1" dirty="0" smtClean="0">
+              <a:t>是配得歌頌與</a:t>
+            </a:r>
+            <a:r>
+              <a:rPr lang="zh-TW" altLang="en-US" sz="4800" b="1" dirty="0" smtClean="0">
                 <a:solidFill>
                   <a:srgbClr val="000066"/>
                 </a:solidFill>
                 <a:latin typeface="微軟正黑體" pitchFamily="34" charset="-120"/>
                 <a:ea typeface="微軟正黑體" pitchFamily="34" charset="-120"/>
               </a:rPr>
-              <a:t>神</a:t>
-            </a:r>
-            <a:endParaRPr lang="en-US" altLang="zh-TW" sz="5400" b="1" dirty="0">
+              <a:t>讚美</a:t>
+            </a:r>
+            <a:endParaRPr lang="en-US" altLang="zh-TW" sz="4800" b="1" dirty="0" smtClean="0">
               <a:solidFill>
                 <a:srgbClr val="000066"/>
               </a:solidFill>
@@ -3166,36 +3242,36 @@
               <a:buNone/>
             </a:pPr>
             <a:r>
-              <a:rPr lang="zh-TW" altLang="en-US" sz="5400" b="1" dirty="0" smtClean="0">
+              <a:rPr lang="zh-TW" altLang="en-US" sz="4800" b="1" dirty="0" smtClean="0">
                 <a:solidFill>
                   <a:srgbClr val="000066"/>
                 </a:solidFill>
                 <a:latin typeface="微軟正黑體" pitchFamily="34" charset="-120"/>
                 <a:ea typeface="微軟正黑體" pitchFamily="34" charset="-120"/>
               </a:rPr>
-              <a:t>你</a:t>
-            </a:r>
-            <a:r>
-              <a:rPr lang="zh-TW" altLang="en-US" sz="5400" b="1" dirty="0">
+              <a:t>我們</a:t>
+            </a:r>
+            <a:r>
+              <a:rPr lang="zh-TW" altLang="en-US" sz="4800" b="1" dirty="0">
                 <a:solidFill>
                   <a:srgbClr val="000066"/>
                 </a:solidFill>
                 <a:latin typeface="微軟正黑體" pitchFamily="34" charset="-120"/>
                 <a:ea typeface="微軟正黑體" pitchFamily="34" charset="-120"/>
               </a:rPr>
-              <a:t>是配得歌頌與</a:t>
-            </a:r>
-            <a:r>
-              <a:rPr lang="zh-TW" altLang="en-US" sz="5400" b="1" dirty="0" smtClean="0">
+              <a:t>高聲</a:t>
+            </a:r>
+            <a:r>
+              <a:rPr lang="zh-TW" altLang="en-US" sz="4800" b="1" dirty="0" smtClean="0">
                 <a:solidFill>
                   <a:srgbClr val="000066"/>
                 </a:solidFill>
                 <a:latin typeface="微軟正黑體" pitchFamily="34" charset="-120"/>
                 <a:ea typeface="微軟正黑體" pitchFamily="34" charset="-120"/>
               </a:rPr>
-              <a:t>讚美</a:t>
-            </a:r>
-            <a:endParaRPr lang="en-US" altLang="zh-TW" sz="5400" b="1" dirty="0" smtClean="0">
+              <a:t>呼喊</a:t>
+            </a:r>
+            <a:endParaRPr lang="en-US" altLang="zh-TW" sz="4800" b="1" dirty="0">
               <a:solidFill>
                 <a:srgbClr val="000066"/>
               </a:solidFill>
@@ -3208,49 +3284,7 @@
               <a:buNone/>
             </a:pPr>
             <a:r>
-              <a:rPr lang="zh-TW" altLang="en-US" sz="5400" b="1" dirty="0" smtClean="0">
-                <a:solidFill>
-                  <a:srgbClr val="000066"/>
-                </a:solidFill>
-                <a:latin typeface="微軟正黑體" pitchFamily="34" charset="-120"/>
-                <a:ea typeface="微軟正黑體" pitchFamily="34" charset="-120"/>
-              </a:rPr>
-              <a:t>我們</a:t>
-            </a:r>
-            <a:r>
-              <a:rPr lang="zh-TW" altLang="en-US" sz="5400" b="1" dirty="0">
-                <a:solidFill>
-                  <a:srgbClr val="000066"/>
-                </a:solidFill>
-                <a:latin typeface="微軟正黑體" pitchFamily="34" charset="-120"/>
-                <a:ea typeface="微軟正黑體" pitchFamily="34" charset="-120"/>
-              </a:rPr>
-              <a:t>高聲</a:t>
-            </a:r>
-            <a:r>
-              <a:rPr lang="zh-TW" altLang="en-US" sz="5400" b="1" dirty="0" smtClean="0">
-                <a:solidFill>
-                  <a:srgbClr val="000066"/>
-                </a:solidFill>
-                <a:latin typeface="微軟正黑體" pitchFamily="34" charset="-120"/>
-                <a:ea typeface="微軟正黑體" pitchFamily="34" charset="-120"/>
-              </a:rPr>
-              <a:t>呼喊</a:t>
-            </a:r>
-            <a:endParaRPr lang="en-US" altLang="zh-TW" sz="5400" b="1" dirty="0">
-              <a:solidFill>
-                <a:srgbClr val="000066"/>
-              </a:solidFill>
-              <a:latin typeface="微軟正黑體" pitchFamily="34" charset="-120"/>
-              <a:ea typeface="微軟正黑體" pitchFamily="34" charset="-120"/>
-            </a:endParaRPr>
-          </a:p>
-          <a:p>
-            <a:pPr algn="ctr">
-              <a:buNone/>
-            </a:pPr>
-            <a:r>
-              <a:rPr lang="zh-TW" altLang="en-US" sz="5400" b="1" dirty="0" smtClean="0">
+              <a:rPr lang="zh-TW" altLang="en-US" sz="4800" b="1" dirty="0" smtClean="0">
                 <a:solidFill>
                   <a:srgbClr val="000066"/>
                 </a:solidFill>
@@ -3260,7 +3294,7 @@
               <a:t>高舉</a:t>
             </a:r>
             <a:r>
-              <a:rPr lang="zh-TW" altLang="en-US" sz="5400" b="1" dirty="0">
+              <a:rPr lang="zh-TW" altLang="en-US" sz="4800" b="1" dirty="0">
                 <a:solidFill>
                   <a:srgbClr val="000066"/>
                 </a:solidFill>
@@ -3270,7 +3304,7 @@
               <a:t>耶穌聖</a:t>
             </a:r>
             <a:r>
-              <a:rPr lang="zh-TW" altLang="en-US" sz="5400" b="1" dirty="0" smtClean="0">
+              <a:rPr lang="zh-TW" altLang="en-US" sz="4800" b="1" dirty="0" smtClean="0">
                 <a:solidFill>
                   <a:srgbClr val="000066"/>
                 </a:solidFill>
@@ -3280,7 +3314,7 @@
               <a:t>名  哈</a:t>
             </a:r>
             <a:r>
-              <a:rPr lang="zh-TW" altLang="en-US" sz="5400" b="1" dirty="0">
+              <a:rPr lang="zh-TW" altLang="en-US" sz="4800" b="1" dirty="0">
                 <a:solidFill>
                   <a:srgbClr val="000066"/>
                 </a:solidFill>
@@ -3290,7 +3324,7 @@
               <a:t>利路</a:t>
             </a:r>
             <a:r>
-              <a:rPr lang="zh-TW" altLang="en-US" sz="5400" b="1" dirty="0" smtClean="0">
+              <a:rPr lang="zh-TW" altLang="en-US" sz="4800" b="1" dirty="0" smtClean="0">
                 <a:solidFill>
                   <a:srgbClr val="000066"/>
                 </a:solidFill>
@@ -3299,7 +3333,7 @@
               </a:rPr>
               <a:t>亞</a:t>
             </a:r>
-            <a:endParaRPr lang="zh-TW" altLang="en-US" sz="5400" b="1" dirty="0">
+            <a:endParaRPr lang="zh-TW" altLang="en-US" sz="4800" b="1" dirty="0">
               <a:solidFill>
                 <a:srgbClr val="000066"/>
               </a:solidFill>
@@ -3346,11 +3380,13 @@
         </p:nvSpPr>
         <p:spPr/>
         <p:txBody>
-          <a:bodyPr/>
-          <a:lstStyle/>
-          <a:p>
-            <a:r>
-              <a:rPr lang="zh-TW" altLang="en-US" b="1" dirty="0" smtClean="0">
+          <a:bodyPr>
+            <a:normAutofit/>
+          </a:bodyPr>
+          <a:lstStyle/>
+          <a:p>
+            <a:r>
+              <a:rPr lang="zh-TW" altLang="en-US" sz="4000" b="1" dirty="0" smtClean="0">
                 <a:solidFill>
                   <a:srgbClr val="000066"/>
                 </a:solidFill>
@@ -3359,7 +3395,7 @@
               </a:rPr>
               <a:t>一切歌頌讚美</a:t>
             </a:r>
-            <a:endParaRPr lang="zh-TW" altLang="en-US" b="1" dirty="0">
+            <a:endParaRPr lang="zh-TW" altLang="en-US" sz="4000" b="1" dirty="0">
               <a:solidFill>
                 <a:srgbClr val="000066"/>
               </a:solidFill>
@@ -3390,7 +3426,7 @@
               <a:buNone/>
             </a:pPr>
             <a:r>
-              <a:rPr lang="zh-TW" altLang="en-US" sz="5400" b="1" dirty="0">
+              <a:rPr lang="zh-TW" altLang="en-US" sz="4800" b="1" dirty="0">
                 <a:solidFill>
                   <a:srgbClr val="000066"/>
                 </a:solidFill>
@@ -3400,7 +3436,7 @@
               <a:t>讚美</a:t>
             </a:r>
             <a:r>
-              <a:rPr lang="zh-TW" altLang="en-US" sz="5400" b="1" dirty="0" smtClean="0">
+              <a:rPr lang="zh-TW" altLang="en-US" sz="4800" b="1" dirty="0" smtClean="0">
                 <a:solidFill>
                   <a:srgbClr val="000066"/>
                 </a:solidFill>
@@ -3410,7 +3446,7 @@
               <a:t>主  哈</a:t>
             </a:r>
             <a:r>
-              <a:rPr lang="zh-TW" altLang="en-US" sz="5400" b="1" dirty="0">
+              <a:rPr lang="zh-TW" altLang="en-US" sz="4800" b="1" dirty="0">
                 <a:solidFill>
                   <a:srgbClr val="000066"/>
                 </a:solidFill>
@@ -3420,7 +3456,7 @@
               <a:t>利路</a:t>
             </a:r>
             <a:r>
-              <a:rPr lang="zh-TW" altLang="en-US" sz="5400" b="1" dirty="0" smtClean="0">
+              <a:rPr lang="zh-TW" altLang="en-US" sz="4800" b="1" dirty="0" smtClean="0">
                 <a:solidFill>
                   <a:srgbClr val="000066"/>
                 </a:solidFill>
@@ -3429,7 +3465,7 @@
               </a:rPr>
               <a:t>亞</a:t>
             </a:r>
-            <a:endParaRPr lang="en-US" altLang="zh-TW" sz="5400" b="1" dirty="0" smtClean="0">
+            <a:endParaRPr lang="en-US" altLang="zh-TW" sz="4800" b="1" dirty="0" smtClean="0">
               <a:solidFill>
                 <a:srgbClr val="000066"/>
               </a:solidFill>
@@ -3442,7 +3478,7 @@
               <a:buNone/>
             </a:pPr>
             <a:r>
-              <a:rPr lang="zh-TW" altLang="en-US" sz="5400" b="1" dirty="0" smtClean="0">
+              <a:rPr lang="zh-TW" altLang="en-US" sz="4800" b="1" dirty="0" smtClean="0">
                 <a:solidFill>
                   <a:srgbClr val="000066"/>
                 </a:solidFill>
@@ -3452,7 +3488,7 @@
               <a:t>哦  讚美主  哈</a:t>
             </a:r>
             <a:r>
-              <a:rPr lang="zh-TW" altLang="en-US" sz="5400" b="1" dirty="0">
+              <a:rPr lang="zh-TW" altLang="en-US" sz="4800" b="1" dirty="0">
                 <a:solidFill>
                   <a:srgbClr val="000066"/>
                 </a:solidFill>
@@ -3462,7 +3498,7 @@
               <a:t>利路</a:t>
             </a:r>
             <a:r>
-              <a:rPr lang="zh-TW" altLang="en-US" sz="5400" b="1" dirty="0" smtClean="0">
+              <a:rPr lang="zh-TW" altLang="en-US" sz="4800" b="1" dirty="0" smtClean="0">
                 <a:solidFill>
                   <a:srgbClr val="000066"/>
                 </a:solidFill>
@@ -3471,7 +3507,7 @@
               </a:rPr>
               <a:t>亞</a:t>
             </a:r>
-            <a:endParaRPr lang="en-US" altLang="zh-TW" sz="5400" b="1" dirty="0" smtClean="0">
+            <a:endParaRPr lang="en-US" altLang="zh-TW" sz="4800" b="1" dirty="0" smtClean="0">
               <a:solidFill>
                 <a:srgbClr val="000066"/>
               </a:solidFill>
@@ -3484,7 +3520,7 @@
               <a:buNone/>
             </a:pPr>
             <a:r>
-              <a:rPr lang="zh-TW" altLang="en-US" sz="5400" b="1" dirty="0" smtClean="0">
+              <a:rPr lang="zh-TW" altLang="en-US" sz="4800" b="1" dirty="0" smtClean="0">
                 <a:solidFill>
                   <a:srgbClr val="000066"/>
                 </a:solidFill>
@@ -3494,7 +3530,7 @@
               <a:t>哈</a:t>
             </a:r>
             <a:r>
-              <a:rPr lang="zh-TW" altLang="en-US" sz="5400" b="1" dirty="0">
+              <a:rPr lang="zh-TW" altLang="en-US" sz="4800" b="1" dirty="0">
                 <a:solidFill>
                   <a:srgbClr val="000066"/>
                 </a:solidFill>
@@ -3504,7 +3540,7 @@
               <a:t>利路</a:t>
             </a:r>
             <a:r>
-              <a:rPr lang="zh-TW" altLang="en-US" sz="5400" b="1" dirty="0" smtClean="0">
+              <a:rPr lang="zh-TW" altLang="en-US" sz="4800" b="1" dirty="0" smtClean="0">
                 <a:solidFill>
                   <a:srgbClr val="000066"/>
                 </a:solidFill>
@@ -3513,7 +3549,7 @@
               </a:rPr>
               <a:t>亞  哦</a:t>
             </a:r>
-            <a:endParaRPr lang="zh-TW" altLang="en-US" sz="5400" b="1" dirty="0">
+            <a:endParaRPr lang="zh-TW" altLang="en-US" sz="4800" b="1" dirty="0">
               <a:solidFill>
                 <a:srgbClr val="000066"/>
               </a:solidFill>
@@ -3532,7 +3568,7 @@
 </file>
 
 <file path=ppt/theme/theme1.xml><?xml version="1.0" encoding="utf-8"?>
-<a:theme xmlns:a="http://schemas.openxmlformats.org/drawingml/2006/main" name="Office 佈景主題">
+<a:theme xmlns:a="http://schemas.openxmlformats.org/drawingml/2006/main" name="chongbai">
   <a:themeElements>
     <a:clrScheme name="Office">
       <a:dk1>

--- a/一切歌頌讚美(崇拜版).pptx
+++ b/一切歌頌讚美(崇拜版).pptx
@@ -105,6 +105,22 @@
       </a:defRPr>
     </a:lvl9pPr>
   </p:defaultTextStyle>
+  <p:extLst>
+    <p:ext uri="{EFAFB233-063F-42B5-8137-9DF3F51BA10A}">
+      <p15:sldGuideLst xmlns:p15="http://schemas.microsoft.com/office/powerpoint/2012/main">
+        <p15:guide id="1" orient="horz" pos="1620">
+          <p15:clr>
+            <a:srgbClr val="A4A3A4"/>
+          </p15:clr>
+        </p15:guide>
+        <p15:guide id="2" pos="2880">
+          <p15:clr>
+            <a:srgbClr val="A4A3A4"/>
+          </p15:clr>
+        </p15:guide>
+      </p15:sldGuideLst>
+    </p:ext>
+  </p:extLst>
 </p:presentation>
 </file>
 
@@ -289,7 +305,7 @@
           <a:p>
             <a:fld id="{BFEB1A99-8C3F-4D98-8584-B5DB38B1A655}" type="datetimeFigureOut">
               <a:rPr lang="zh-TW" altLang="en-US" smtClean="0"/>
-              <a:t>2019/8/24</a:t>
+              <a:t>2020/5/16</a:t>
             </a:fld>
             <a:endParaRPr lang="zh-TW" altLang="en-US"/>
           </a:p>
@@ -454,7 +470,7 @@
           <a:p>
             <a:fld id="{BFEB1A99-8C3F-4D98-8584-B5DB38B1A655}" type="datetimeFigureOut">
               <a:rPr lang="zh-TW" altLang="en-US" smtClean="0"/>
-              <a:t>2019/8/24</a:t>
+              <a:t>2020/5/16</a:t>
             </a:fld>
             <a:endParaRPr lang="zh-TW" altLang="en-US"/>
           </a:p>
@@ -629,7 +645,7 @@
           <a:p>
             <a:fld id="{BFEB1A99-8C3F-4D98-8584-B5DB38B1A655}" type="datetimeFigureOut">
               <a:rPr lang="zh-TW" altLang="en-US" smtClean="0"/>
-              <a:t>2019/8/24</a:t>
+              <a:t>2020/5/16</a:t>
             </a:fld>
             <a:endParaRPr lang="zh-TW" altLang="en-US"/>
           </a:p>
@@ -794,7 +810,7 @@
           <a:p>
             <a:fld id="{BFEB1A99-8C3F-4D98-8584-B5DB38B1A655}" type="datetimeFigureOut">
               <a:rPr lang="zh-TW" altLang="en-US" smtClean="0"/>
-              <a:t>2019/8/24</a:t>
+              <a:t>2020/5/16</a:t>
             </a:fld>
             <a:endParaRPr lang="zh-TW" altLang="en-US"/>
           </a:p>
@@ -1035,7 +1051,7 @@
           <a:p>
             <a:fld id="{BFEB1A99-8C3F-4D98-8584-B5DB38B1A655}" type="datetimeFigureOut">
               <a:rPr lang="zh-TW" altLang="en-US" smtClean="0"/>
-              <a:t>2019/8/24</a:t>
+              <a:t>2020/5/16</a:t>
             </a:fld>
             <a:endParaRPr lang="zh-TW" altLang="en-US"/>
           </a:p>
@@ -1318,7 +1334,7 @@
           <a:p>
             <a:fld id="{BFEB1A99-8C3F-4D98-8584-B5DB38B1A655}" type="datetimeFigureOut">
               <a:rPr lang="zh-TW" altLang="en-US" smtClean="0"/>
-              <a:t>2019/8/24</a:t>
+              <a:t>2020/5/16</a:t>
             </a:fld>
             <a:endParaRPr lang="zh-TW" altLang="en-US"/>
           </a:p>
@@ -1735,7 +1751,7 @@
           <a:p>
             <a:fld id="{BFEB1A99-8C3F-4D98-8584-B5DB38B1A655}" type="datetimeFigureOut">
               <a:rPr lang="zh-TW" altLang="en-US" smtClean="0"/>
-              <a:t>2019/8/24</a:t>
+              <a:t>2020/5/16</a:t>
             </a:fld>
             <a:endParaRPr lang="zh-TW" altLang="en-US"/>
           </a:p>
@@ -1848,7 +1864,7 @@
           <a:p>
             <a:fld id="{BFEB1A99-8C3F-4D98-8584-B5DB38B1A655}" type="datetimeFigureOut">
               <a:rPr lang="zh-TW" altLang="en-US" smtClean="0"/>
-              <a:t>2019/8/24</a:t>
+              <a:t>2020/5/16</a:t>
             </a:fld>
             <a:endParaRPr lang="zh-TW" altLang="en-US"/>
           </a:p>
@@ -1938,7 +1954,7 @@
           <a:p>
             <a:fld id="{BFEB1A99-8C3F-4D98-8584-B5DB38B1A655}" type="datetimeFigureOut">
               <a:rPr lang="zh-TW" altLang="en-US" smtClean="0"/>
-              <a:t>2019/8/24</a:t>
+              <a:t>2020/5/16</a:t>
             </a:fld>
             <a:endParaRPr lang="zh-TW" altLang="en-US"/>
           </a:p>
@@ -2210,7 +2226,7 @@
           <a:p>
             <a:fld id="{BFEB1A99-8C3F-4D98-8584-B5DB38B1A655}" type="datetimeFigureOut">
               <a:rPr lang="zh-TW" altLang="en-US" smtClean="0"/>
-              <a:t>2019/8/24</a:t>
+              <a:t>2020/5/16</a:t>
             </a:fld>
             <a:endParaRPr lang="zh-TW" altLang="en-US"/>
           </a:p>
@@ -2462,7 +2478,7 @@
           <a:p>
             <a:fld id="{BFEB1A99-8C3F-4D98-8584-B5DB38B1A655}" type="datetimeFigureOut">
               <a:rPr lang="zh-TW" altLang="en-US" smtClean="0"/>
-              <a:t>2019/8/24</a:t>
+              <a:t>2020/5/16</a:t>
             </a:fld>
             <a:endParaRPr lang="zh-TW" altLang="en-US"/>
           </a:p>
@@ -2675,7 +2691,7 @@
           <a:p>
             <a:fld id="{BFEB1A99-8C3F-4D98-8584-B5DB38B1A655}" type="datetimeFigureOut">
               <a:rPr lang="zh-TW" altLang="en-US" smtClean="0"/>
-              <a:t>2019/8/24</a:t>
+              <a:t>2020/5/16</a:t>
             </a:fld>
             <a:endParaRPr lang="zh-TW" altLang="en-US"/>
           </a:p>
@@ -3125,17 +3141,7 @@
                 <a:latin typeface="微軟正黑體" pitchFamily="34" charset="-120"/>
                 <a:ea typeface="微軟正黑體" pitchFamily="34" charset="-120"/>
               </a:rPr>
-              <a:t>讚</a:t>
-            </a:r>
-            <a:r>
-              <a:rPr lang="zh-TW" altLang="en-US" sz="4800" b="1" dirty="0" smtClean="0">
-                <a:solidFill>
-                  <a:srgbClr val="000066"/>
-                </a:solidFill>
-                <a:latin typeface="微軟正黑體" pitchFamily="34" charset="-120"/>
-                <a:ea typeface="微軟正黑體" pitchFamily="34" charset="-120"/>
-              </a:rPr>
-              <a:t>美</a:t>
+              <a:t>讚美</a:t>
             </a:r>
             <a:r>
               <a:rPr lang="en-US" altLang="zh-TW" sz="4800" b="1" dirty="0">
@@ -3200,24 +3206,34 @@
               <a:buNone/>
             </a:pPr>
             <a:r>
-              <a:rPr lang="zh-TW" altLang="en-US" sz="4800" b="1" dirty="0" smtClean="0">
+              <a:rPr lang="zh-CN" altLang="en-US" sz="4800" b="1" dirty="0">
                 <a:solidFill>
                   <a:srgbClr val="000066"/>
                 </a:solidFill>
                 <a:latin typeface="微軟正黑體" pitchFamily="34" charset="-120"/>
                 <a:ea typeface="微軟正黑體" pitchFamily="34" charset="-120"/>
               </a:rPr>
-              <a:t>你</a:t>
-            </a:r>
-            <a:r>
-              <a:rPr lang="zh-TW" altLang="en-US" sz="4800" b="1" dirty="0">
+              <a:t>袮</a:t>
+            </a:r>
+            <a:r>
+              <a:rPr lang="zh-TW" altLang="en-US" sz="4800" b="1" dirty="0" smtClean="0">
                 <a:solidFill>
                   <a:srgbClr val="000066"/>
                 </a:solidFill>
                 <a:latin typeface="微軟正黑體" pitchFamily="34" charset="-120"/>
                 <a:ea typeface="微軟正黑體" pitchFamily="34" charset="-120"/>
               </a:rPr>
-              <a:t>是配得歌頌與</a:t>
+              <a:t>是</a:t>
+            </a:r>
+            <a:r>
+              <a:rPr lang="zh-TW" altLang="en-US" sz="4800" b="1" dirty="0">
+                <a:solidFill>
+                  <a:srgbClr val="000066"/>
+                </a:solidFill>
+                <a:latin typeface="微軟正黑體" pitchFamily="34" charset="-120"/>
+                <a:ea typeface="微軟正黑體" pitchFamily="34" charset="-120"/>
+              </a:rPr>
+              <a:t>配得歌頌與</a:t>
             </a:r>
             <a:r>
               <a:rPr lang="zh-TW" altLang="en-US" sz="4800" b="1" dirty="0" smtClean="0">

--- a/一切歌頌讚美(崇拜版).pptx
+++ b/一切歌頌讚美(崇拜版).pptx
@@ -7,6 +7,7 @@
   <p:sldIdLst>
     <p:sldId id="256" r:id="rId2"/>
     <p:sldId id="257" r:id="rId3"/>
+    <p:sldId id="258" r:id="rId4"/>
   </p:sldIdLst>
   <p:sldSz cx="9144000" cy="5143500" type="screen16x9"/>
   <p:notesSz cx="6858000" cy="9144000"/>
@@ -305,7 +306,7 @@
           <a:p>
             <a:fld id="{BFEB1A99-8C3F-4D98-8584-B5DB38B1A655}" type="datetimeFigureOut">
               <a:rPr lang="zh-TW" altLang="en-US" smtClean="0"/>
-              <a:t>2020/5/16</a:t>
+              <a:t>2020/7/25</a:t>
             </a:fld>
             <a:endParaRPr lang="zh-TW" altLang="en-US"/>
           </a:p>
@@ -470,7 +471,7 @@
           <a:p>
             <a:fld id="{BFEB1A99-8C3F-4D98-8584-B5DB38B1A655}" type="datetimeFigureOut">
               <a:rPr lang="zh-TW" altLang="en-US" smtClean="0"/>
-              <a:t>2020/5/16</a:t>
+              <a:t>2020/7/25</a:t>
             </a:fld>
             <a:endParaRPr lang="zh-TW" altLang="en-US"/>
           </a:p>
@@ -645,7 +646,7 @@
           <a:p>
             <a:fld id="{BFEB1A99-8C3F-4D98-8584-B5DB38B1A655}" type="datetimeFigureOut">
               <a:rPr lang="zh-TW" altLang="en-US" smtClean="0"/>
-              <a:t>2020/5/16</a:t>
+              <a:t>2020/7/25</a:t>
             </a:fld>
             <a:endParaRPr lang="zh-TW" altLang="en-US"/>
           </a:p>
@@ -810,7 +811,7 @@
           <a:p>
             <a:fld id="{BFEB1A99-8C3F-4D98-8584-B5DB38B1A655}" type="datetimeFigureOut">
               <a:rPr lang="zh-TW" altLang="en-US" smtClean="0"/>
-              <a:t>2020/5/16</a:t>
+              <a:t>2020/7/25</a:t>
             </a:fld>
             <a:endParaRPr lang="zh-TW" altLang="en-US"/>
           </a:p>
@@ -1051,7 +1052,7 @@
           <a:p>
             <a:fld id="{BFEB1A99-8C3F-4D98-8584-B5DB38B1A655}" type="datetimeFigureOut">
               <a:rPr lang="zh-TW" altLang="en-US" smtClean="0"/>
-              <a:t>2020/5/16</a:t>
+              <a:t>2020/7/25</a:t>
             </a:fld>
             <a:endParaRPr lang="zh-TW" altLang="en-US"/>
           </a:p>
@@ -1334,7 +1335,7 @@
           <a:p>
             <a:fld id="{BFEB1A99-8C3F-4D98-8584-B5DB38B1A655}" type="datetimeFigureOut">
               <a:rPr lang="zh-TW" altLang="en-US" smtClean="0"/>
-              <a:t>2020/5/16</a:t>
+              <a:t>2020/7/25</a:t>
             </a:fld>
             <a:endParaRPr lang="zh-TW" altLang="en-US"/>
           </a:p>
@@ -1751,7 +1752,7 @@
           <a:p>
             <a:fld id="{BFEB1A99-8C3F-4D98-8584-B5DB38B1A655}" type="datetimeFigureOut">
               <a:rPr lang="zh-TW" altLang="en-US" smtClean="0"/>
-              <a:t>2020/5/16</a:t>
+              <a:t>2020/7/25</a:t>
             </a:fld>
             <a:endParaRPr lang="zh-TW" altLang="en-US"/>
           </a:p>
@@ -1864,7 +1865,7 @@
           <a:p>
             <a:fld id="{BFEB1A99-8C3F-4D98-8584-B5DB38B1A655}" type="datetimeFigureOut">
               <a:rPr lang="zh-TW" altLang="en-US" smtClean="0"/>
-              <a:t>2020/5/16</a:t>
+              <a:t>2020/7/25</a:t>
             </a:fld>
             <a:endParaRPr lang="zh-TW" altLang="en-US"/>
           </a:p>
@@ -1954,7 +1955,7 @@
           <a:p>
             <a:fld id="{BFEB1A99-8C3F-4D98-8584-B5DB38B1A655}" type="datetimeFigureOut">
               <a:rPr lang="zh-TW" altLang="en-US" smtClean="0"/>
-              <a:t>2020/5/16</a:t>
+              <a:t>2020/7/25</a:t>
             </a:fld>
             <a:endParaRPr lang="zh-TW" altLang="en-US"/>
           </a:p>
@@ -2226,7 +2227,7 @@
           <a:p>
             <a:fld id="{BFEB1A99-8C3F-4D98-8584-B5DB38B1A655}" type="datetimeFigureOut">
               <a:rPr lang="zh-TW" altLang="en-US" smtClean="0"/>
-              <a:t>2020/5/16</a:t>
+              <a:t>2020/7/25</a:t>
             </a:fld>
             <a:endParaRPr lang="zh-TW" altLang="en-US"/>
           </a:p>
@@ -2478,7 +2479,7 @@
           <a:p>
             <a:fld id="{BFEB1A99-8C3F-4D98-8584-B5DB38B1A655}" type="datetimeFigureOut">
               <a:rPr lang="zh-TW" altLang="en-US" smtClean="0"/>
-              <a:t>2020/5/16</a:t>
+              <a:t>2020/7/25</a:t>
             </a:fld>
             <a:endParaRPr lang="zh-TW" altLang="en-US"/>
           </a:p>
@@ -2691,7 +2692,7 @@
           <a:p>
             <a:fld id="{BFEB1A99-8C3F-4D98-8584-B5DB38B1A655}" type="datetimeFigureOut">
               <a:rPr lang="zh-TW" altLang="en-US" smtClean="0"/>
-              <a:t>2020/5/16</a:t>
+              <a:t>2020/7/25</a:t>
             </a:fld>
             <a:endParaRPr lang="zh-TW" altLang="en-US"/>
           </a:p>
@@ -3563,7 +3564,213 @@
                 <a:latin typeface="微軟正黑體" pitchFamily="34" charset="-120"/>
                 <a:ea typeface="微軟正黑體" pitchFamily="34" charset="-120"/>
               </a:rPr>
-              <a:t>亞  哦</a:t>
+              <a:t>亞  哈</a:t>
+            </a:r>
+            <a:r>
+              <a:rPr lang="zh-TW" altLang="en-US" sz="4800" b="1" dirty="0">
+                <a:solidFill>
+                  <a:srgbClr val="000066"/>
+                </a:solidFill>
+                <a:latin typeface="微軟正黑體" pitchFamily="34" charset="-120"/>
+                <a:ea typeface="微軟正黑體" pitchFamily="34" charset="-120"/>
+              </a:rPr>
+              <a:t>利路</a:t>
+            </a:r>
+            <a:r>
+              <a:rPr lang="zh-TW" altLang="en-US" sz="4800" b="1">
+                <a:solidFill>
+                  <a:srgbClr val="000066"/>
+                </a:solidFill>
+                <a:latin typeface="微軟正黑體" pitchFamily="34" charset="-120"/>
+                <a:ea typeface="微軟正黑體" pitchFamily="34" charset="-120"/>
+              </a:rPr>
+              <a:t>亞 </a:t>
+            </a:r>
+            <a:endParaRPr lang="en-US" altLang="zh-TW" sz="4800" b="1" dirty="0" smtClean="0">
+              <a:solidFill>
+                <a:srgbClr val="000066"/>
+              </a:solidFill>
+              <a:latin typeface="微軟正黑體" pitchFamily="34" charset="-120"/>
+              <a:ea typeface="微軟正黑體" pitchFamily="34" charset="-120"/>
+            </a:endParaRPr>
+          </a:p>
+        </p:txBody>
+      </p:sp>
+    </p:spTree>
+  </p:cSld>
+  <p:clrMapOvr>
+    <a:masterClrMapping/>
+  </p:clrMapOvr>
+</p:sld>
+</file>
+
+<file path=ppt/slides/slide3.xml><?xml version="1.0" encoding="utf-8"?>
+<p:sld xmlns:a="http://schemas.openxmlformats.org/drawingml/2006/main" xmlns:r="http://schemas.openxmlformats.org/officeDocument/2006/relationships" xmlns:p="http://schemas.openxmlformats.org/presentationml/2006/main">
+  <p:cSld>
+    <p:spTree>
+      <p:nvGrpSpPr>
+        <p:cNvPr id="1" name=""/>
+        <p:cNvGrpSpPr/>
+        <p:nvPr/>
+      </p:nvGrpSpPr>
+      <p:grpSpPr>
+        <a:xfrm>
+          <a:off x="0" y="0"/>
+          <a:ext cx="0" cy="0"/>
+          <a:chOff x="0" y="0"/>
+          <a:chExt cx="0" cy="0"/>
+        </a:xfrm>
+      </p:grpSpPr>
+      <p:sp>
+        <p:nvSpPr>
+          <p:cNvPr id="4" name="標題 3"/>
+          <p:cNvSpPr>
+            <a:spLocks noGrp="1"/>
+          </p:cNvSpPr>
+          <p:nvPr>
+            <p:ph type="title"/>
+          </p:nvPr>
+        </p:nvSpPr>
+        <p:spPr/>
+        <p:txBody>
+          <a:bodyPr>
+            <a:normAutofit/>
+          </a:bodyPr>
+          <a:lstStyle/>
+          <a:p>
+            <a:r>
+              <a:rPr lang="zh-TW" altLang="en-US" sz="4000" b="1" dirty="0" smtClean="0">
+                <a:solidFill>
+                  <a:srgbClr val="000066"/>
+                </a:solidFill>
+                <a:latin typeface="微軟正黑體" pitchFamily="34" charset="-120"/>
+                <a:ea typeface="微軟正黑體" pitchFamily="34" charset="-120"/>
+              </a:rPr>
+              <a:t>一切歌頌讚美</a:t>
+            </a:r>
+            <a:endParaRPr lang="zh-TW" altLang="en-US" sz="4000" b="1" dirty="0">
+              <a:solidFill>
+                <a:srgbClr val="000066"/>
+              </a:solidFill>
+              <a:latin typeface="微軟正黑體" pitchFamily="34" charset="-120"/>
+              <a:ea typeface="微軟正黑體" pitchFamily="34" charset="-120"/>
+            </a:endParaRPr>
+          </a:p>
+        </p:txBody>
+      </p:sp>
+      <p:sp>
+        <p:nvSpPr>
+          <p:cNvPr id="5" name="內容版面配置區 4"/>
+          <p:cNvSpPr>
+            <a:spLocks noGrp="1"/>
+          </p:cNvSpPr>
+          <p:nvPr>
+            <p:ph idx="1"/>
+          </p:nvPr>
+        </p:nvSpPr>
+        <p:spPr/>
+        <p:txBody>
+          <a:bodyPr>
+            <a:noAutofit/>
+          </a:bodyPr>
+          <a:lstStyle/>
+          <a:p>
+            <a:pPr algn="ctr">
+              <a:buNone/>
+            </a:pPr>
+            <a:r>
+              <a:rPr lang="zh-TW" altLang="en-US" sz="4800" b="1" dirty="0" smtClean="0">
+                <a:solidFill>
+                  <a:srgbClr val="000066"/>
+                </a:solidFill>
+                <a:latin typeface="微軟正黑體" pitchFamily="34" charset="-120"/>
+                <a:ea typeface="微軟正黑體" pitchFamily="34" charset="-120"/>
+              </a:rPr>
+              <a:t>讚</a:t>
+            </a:r>
+            <a:r>
+              <a:rPr lang="zh-TW" altLang="en-US" sz="4800" b="1" dirty="0">
+                <a:solidFill>
+                  <a:srgbClr val="000066"/>
+                </a:solidFill>
+                <a:latin typeface="微軟正黑體" pitchFamily="34" charset="-120"/>
+                <a:ea typeface="微軟正黑體" pitchFamily="34" charset="-120"/>
+              </a:rPr>
+              <a:t>美主  哈利路亞</a:t>
+            </a:r>
+            <a:endParaRPr lang="en-US" altLang="zh-TW" sz="4800" b="1" dirty="0">
+              <a:solidFill>
+                <a:srgbClr val="000066"/>
+              </a:solidFill>
+              <a:latin typeface="微軟正黑體" pitchFamily="34" charset="-120"/>
+              <a:ea typeface="微軟正黑體" pitchFamily="34" charset="-120"/>
+            </a:endParaRPr>
+          </a:p>
+          <a:p>
+            <a:pPr algn="ctr">
+              <a:buNone/>
+            </a:pPr>
+            <a:r>
+              <a:rPr lang="zh-TW" altLang="en-US" sz="4800" b="1" dirty="0">
+                <a:solidFill>
+                  <a:srgbClr val="000066"/>
+                </a:solidFill>
+                <a:latin typeface="微軟正黑體" pitchFamily="34" charset="-120"/>
+                <a:ea typeface="微軟正黑體" pitchFamily="34" charset="-120"/>
+              </a:rPr>
+              <a:t>哦  讚美主  哈利路</a:t>
+            </a:r>
+            <a:r>
+              <a:rPr lang="zh-TW" altLang="en-US" sz="4800" b="1" dirty="0" smtClean="0">
+                <a:solidFill>
+                  <a:srgbClr val="000066"/>
+                </a:solidFill>
+                <a:latin typeface="微軟正黑體" pitchFamily="34" charset="-120"/>
+                <a:ea typeface="微軟正黑體" pitchFamily="34" charset="-120"/>
+              </a:rPr>
+              <a:t>亞</a:t>
+            </a:r>
+            <a:endParaRPr lang="en-US" altLang="zh-TW" sz="4800" b="1" dirty="0" smtClean="0">
+              <a:solidFill>
+                <a:srgbClr val="000066"/>
+              </a:solidFill>
+              <a:latin typeface="微軟正黑體" pitchFamily="34" charset="-120"/>
+              <a:ea typeface="微軟正黑體" pitchFamily="34" charset="-120"/>
+            </a:endParaRPr>
+          </a:p>
+          <a:p>
+            <a:pPr algn="ctr">
+              <a:buNone/>
+            </a:pPr>
+            <a:r>
+              <a:rPr lang="zh-TW" altLang="en-US" sz="4800" b="1" dirty="0" smtClean="0">
+                <a:solidFill>
+                  <a:srgbClr val="000066"/>
+                </a:solidFill>
+                <a:latin typeface="微軟正黑體" pitchFamily="34" charset="-120"/>
+                <a:ea typeface="微軟正黑體" pitchFamily="34" charset="-120"/>
+              </a:rPr>
+              <a:t>哈</a:t>
+            </a:r>
+            <a:r>
+              <a:rPr lang="zh-TW" altLang="en-US" sz="4800" b="1" dirty="0">
+                <a:solidFill>
+                  <a:srgbClr val="000066"/>
+                </a:solidFill>
+                <a:latin typeface="微軟正黑體" pitchFamily="34" charset="-120"/>
+                <a:ea typeface="微軟正黑體" pitchFamily="34" charset="-120"/>
+              </a:rPr>
+              <a:t>利</a:t>
+            </a:r>
+            <a:r>
+              <a:rPr lang="zh-TW" altLang="en-US" sz="4800" b="1" dirty="0" smtClean="0">
+                <a:solidFill>
+                  <a:srgbClr val="000066"/>
+                </a:solidFill>
+                <a:latin typeface="微軟正黑體" pitchFamily="34" charset="-120"/>
+                <a:ea typeface="微軟正黑體" pitchFamily="34" charset="-120"/>
+              </a:rPr>
+              <a:t>路亞</a:t>
             </a:r>
             <a:endParaRPr lang="zh-TW" altLang="en-US" sz="4800" b="1" dirty="0">
               <a:solidFill>
@@ -3573,9 +3780,26 @@
               <a:ea typeface="微軟正黑體" pitchFamily="34" charset="-120"/>
             </a:endParaRPr>
           </a:p>
+          <a:p>
+            <a:pPr algn="ctr">
+              <a:buNone/>
+            </a:pPr>
+            <a:endParaRPr lang="zh-TW" altLang="en-US" sz="4800" b="1" dirty="0">
+              <a:solidFill>
+                <a:srgbClr val="000066"/>
+              </a:solidFill>
+              <a:latin typeface="微軟正黑體" pitchFamily="34" charset="-120"/>
+              <a:ea typeface="微軟正黑體" pitchFamily="34" charset="-120"/>
+            </a:endParaRPr>
+          </a:p>
         </p:txBody>
       </p:sp>
     </p:spTree>
+    <p:extLst>
+      <p:ext uri="{BB962C8B-B14F-4D97-AF65-F5344CB8AC3E}">
+        <p14:creationId xmlns:p14="http://schemas.microsoft.com/office/powerpoint/2010/main" val="3087116617"/>
+      </p:ext>
+    </p:extLst>
   </p:cSld>
   <p:clrMapOvr>
     <a:masterClrMapping/>

--- a/一切歌頌讚美(崇拜版).pptx
+++ b/一切歌頌讚美(崇拜版).pptx
@@ -5,9 +5,12 @@
     <p:sldMasterId id="2147483660" r:id="rId1"/>
   </p:sldMasterIdLst>
   <p:sldIdLst>
-    <p:sldId id="256" r:id="rId2"/>
-    <p:sldId id="257" r:id="rId3"/>
-    <p:sldId id="258" r:id="rId4"/>
+    <p:sldId id="259" r:id="rId2"/>
+    <p:sldId id="260" r:id="rId3"/>
+    <p:sldId id="261" r:id="rId4"/>
+    <p:sldId id="262" r:id="rId5"/>
+    <p:sldId id="263" r:id="rId6"/>
+    <p:sldId id="264" r:id="rId7"/>
   </p:sldIdLst>
   <p:sldSz cx="9144000" cy="5143500" type="screen16x9"/>
   <p:notesSz cx="6858000" cy="9144000"/>
@@ -306,7 +309,7 @@
           <a:p>
             <a:fld id="{BFEB1A99-8C3F-4D98-8584-B5DB38B1A655}" type="datetimeFigureOut">
               <a:rPr lang="zh-TW" altLang="en-US" smtClean="0"/>
-              <a:t>2020/7/25</a:t>
+              <a:t>2020/11/20</a:t>
             </a:fld>
             <a:endParaRPr lang="zh-TW" altLang="en-US"/>
           </a:p>
@@ -471,7 +474,7 @@
           <a:p>
             <a:fld id="{BFEB1A99-8C3F-4D98-8584-B5DB38B1A655}" type="datetimeFigureOut">
               <a:rPr lang="zh-TW" altLang="en-US" smtClean="0"/>
-              <a:t>2020/7/25</a:t>
+              <a:t>2020/11/20</a:t>
             </a:fld>
             <a:endParaRPr lang="zh-TW" altLang="en-US"/>
           </a:p>
@@ -646,7 +649,7 @@
           <a:p>
             <a:fld id="{BFEB1A99-8C3F-4D98-8584-B5DB38B1A655}" type="datetimeFigureOut">
               <a:rPr lang="zh-TW" altLang="en-US" smtClean="0"/>
-              <a:t>2020/7/25</a:t>
+              <a:t>2020/11/20</a:t>
             </a:fld>
             <a:endParaRPr lang="zh-TW" altLang="en-US"/>
           </a:p>
@@ -811,7 +814,7 @@
           <a:p>
             <a:fld id="{BFEB1A99-8C3F-4D98-8584-B5DB38B1A655}" type="datetimeFigureOut">
               <a:rPr lang="zh-TW" altLang="en-US" smtClean="0"/>
-              <a:t>2020/7/25</a:t>
+              <a:t>2020/11/20</a:t>
             </a:fld>
             <a:endParaRPr lang="zh-TW" altLang="en-US"/>
           </a:p>
@@ -1052,7 +1055,7 @@
           <a:p>
             <a:fld id="{BFEB1A99-8C3F-4D98-8584-B5DB38B1A655}" type="datetimeFigureOut">
               <a:rPr lang="zh-TW" altLang="en-US" smtClean="0"/>
-              <a:t>2020/7/25</a:t>
+              <a:t>2020/11/20</a:t>
             </a:fld>
             <a:endParaRPr lang="zh-TW" altLang="en-US"/>
           </a:p>
@@ -1335,7 +1338,7 @@
           <a:p>
             <a:fld id="{BFEB1A99-8C3F-4D98-8584-B5DB38B1A655}" type="datetimeFigureOut">
               <a:rPr lang="zh-TW" altLang="en-US" smtClean="0"/>
-              <a:t>2020/7/25</a:t>
+              <a:t>2020/11/20</a:t>
             </a:fld>
             <a:endParaRPr lang="zh-TW" altLang="en-US"/>
           </a:p>
@@ -1752,7 +1755,7 @@
           <a:p>
             <a:fld id="{BFEB1A99-8C3F-4D98-8584-B5DB38B1A655}" type="datetimeFigureOut">
               <a:rPr lang="zh-TW" altLang="en-US" smtClean="0"/>
-              <a:t>2020/7/25</a:t>
+              <a:t>2020/11/20</a:t>
             </a:fld>
             <a:endParaRPr lang="zh-TW" altLang="en-US"/>
           </a:p>
@@ -1865,7 +1868,7 @@
           <a:p>
             <a:fld id="{BFEB1A99-8C3F-4D98-8584-B5DB38B1A655}" type="datetimeFigureOut">
               <a:rPr lang="zh-TW" altLang="en-US" smtClean="0"/>
-              <a:t>2020/7/25</a:t>
+              <a:t>2020/11/20</a:t>
             </a:fld>
             <a:endParaRPr lang="zh-TW" altLang="en-US"/>
           </a:p>
@@ -1955,7 +1958,7 @@
           <a:p>
             <a:fld id="{BFEB1A99-8C3F-4D98-8584-B5DB38B1A655}" type="datetimeFigureOut">
               <a:rPr lang="zh-TW" altLang="en-US" smtClean="0"/>
-              <a:t>2020/7/25</a:t>
+              <a:t>2020/11/20</a:t>
             </a:fld>
             <a:endParaRPr lang="zh-TW" altLang="en-US"/>
           </a:p>
@@ -2227,7 +2230,7 @@
           <a:p>
             <a:fld id="{BFEB1A99-8C3F-4D98-8584-B5DB38B1A655}" type="datetimeFigureOut">
               <a:rPr lang="zh-TW" altLang="en-US" smtClean="0"/>
-              <a:t>2020/7/25</a:t>
+              <a:t>2020/11/20</a:t>
             </a:fld>
             <a:endParaRPr lang="zh-TW" altLang="en-US"/>
           </a:p>
@@ -2479,7 +2482,7 @@
           <a:p>
             <a:fld id="{BFEB1A99-8C3F-4D98-8584-B5DB38B1A655}" type="datetimeFigureOut">
               <a:rPr lang="zh-TW" altLang="en-US" smtClean="0"/>
-              <a:t>2020/7/25</a:t>
+              <a:t>2020/11/20</a:t>
             </a:fld>
             <a:endParaRPr lang="zh-TW" altLang="en-US"/>
           </a:p>
@@ -2692,7 +2695,7 @@
           <a:p>
             <a:fld id="{BFEB1A99-8C3F-4D98-8584-B5DB38B1A655}" type="datetimeFigureOut">
               <a:rPr lang="zh-TW" altLang="en-US" smtClean="0"/>
-              <a:t>2020/7/25</a:t>
+              <a:t>2020/11/20</a:t>
             </a:fld>
             <a:endParaRPr lang="zh-TW" altLang="en-US"/>
           </a:p>
@@ -3072,295 +3075,61 @@
             <p:ph type="title"/>
           </p:nvPr>
         </p:nvSpPr>
-        <p:spPr/>
+        <p:spPr>
+          <a:xfrm>
+            <a:off x="0" y="2143135"/>
+            <a:ext cx="9144000" cy="857250"/>
+          </a:xfrm>
+        </p:spPr>
         <p:txBody>
           <a:bodyPr>
-            <a:normAutofit/>
+            <a:noAutofit/>
           </a:bodyPr>
           <a:lstStyle/>
           <a:p>
             <a:r>
-              <a:rPr lang="zh-TW" altLang="en-US" sz="4000" b="1" dirty="0" smtClean="0">
+              <a:rPr lang="zh-TW" altLang="en-US" sz="5400" b="1" i="1" dirty="0" smtClean="0">
                 <a:solidFill>
-                  <a:srgbClr val="000066"/>
+                  <a:srgbClr val="660033"/>
                 </a:solidFill>
+                <a:effectLst>
+                  <a:outerShdw blurRad="38100" dist="38100" dir="2700000" algn="tl">
+                    <a:srgbClr val="000000">
+                      <a:alpha val="43137"/>
+                    </a:srgbClr>
+                  </a:outerShdw>
+                </a:effectLst>
                 <a:latin typeface="微軟正黑體" pitchFamily="34" charset="-120"/>
                 <a:ea typeface="微軟正黑體" pitchFamily="34" charset="-120"/>
               </a:rPr>
-              <a:t>一切歌頌讚美</a:t>
-            </a:r>
-            <a:endParaRPr lang="zh-TW" altLang="en-US" sz="4000" b="1" dirty="0">
-              <a:solidFill>
-                <a:srgbClr val="000066"/>
-              </a:solidFill>
-              <a:latin typeface="微軟正黑體" pitchFamily="34" charset="-120"/>
-              <a:ea typeface="微軟正黑體" pitchFamily="34" charset="-120"/>
-            </a:endParaRPr>
-          </a:p>
-        </p:txBody>
-      </p:sp>
-      <p:sp>
-        <p:nvSpPr>
-          <p:cNvPr id="5" name="內容版面配置區 4"/>
-          <p:cNvSpPr>
-            <a:spLocks noGrp="1"/>
-          </p:cNvSpPr>
-          <p:nvPr>
-            <p:ph idx="1"/>
-          </p:nvPr>
-        </p:nvSpPr>
-        <p:spPr>
-          <a:xfrm>
-            <a:off x="0" y="1200150"/>
-            <a:ext cx="9144000" cy="3943349"/>
-          </a:xfrm>
-        </p:spPr>
-        <p:txBody>
-          <a:bodyPr>
-            <a:noAutofit/>
-          </a:bodyPr>
-          <a:lstStyle/>
-          <a:p>
-            <a:pPr algn="ctr">
-              <a:buNone/>
-            </a:pPr>
-            <a:r>
-              <a:rPr lang="zh-TW" altLang="en-US" sz="4800" b="1" dirty="0">
+              <a:t>一</a:t>
+            </a:r>
+            <a:r>
+              <a:rPr lang="zh-TW" altLang="en-US" sz="5400" b="1" i="1" dirty="0">
                 <a:solidFill>
-                  <a:srgbClr val="000066"/>
+                  <a:srgbClr val="660033"/>
                 </a:solidFill>
+                <a:effectLst>
+                  <a:outerShdw blurRad="38100" dist="38100" dir="2700000" algn="tl">
+                    <a:srgbClr val="000000">
+                      <a:alpha val="43137"/>
+                    </a:srgbClr>
+                  </a:outerShdw>
+                </a:effectLst>
                 <a:latin typeface="微軟正黑體" pitchFamily="34" charset="-120"/>
                 <a:ea typeface="微軟正黑體" pitchFamily="34" charset="-120"/>
               </a:rPr>
-              <a:t>一切歌頌</a:t>
-            </a:r>
-            <a:r>
-              <a:rPr lang="zh-TW" altLang="en-US" sz="4800" b="1" dirty="0" smtClean="0">
-                <a:solidFill>
-                  <a:srgbClr val="000066"/>
-                </a:solidFill>
-                <a:latin typeface="微軟正黑體" pitchFamily="34" charset="-120"/>
-                <a:ea typeface="微軟正黑體" pitchFamily="34" charset="-120"/>
-              </a:rPr>
-              <a:t>讚美</a:t>
-            </a:r>
-            <a:r>
-              <a:rPr lang="en-US" altLang="zh-TW" sz="4800" b="1" dirty="0">
-                <a:solidFill>
-                  <a:srgbClr val="000066"/>
-                </a:solidFill>
-                <a:latin typeface="微軟正黑體" pitchFamily="34" charset="-120"/>
-                <a:ea typeface="微軟正黑體" pitchFamily="34" charset="-120"/>
-              </a:rPr>
-              <a:t> </a:t>
-            </a:r>
-            <a:r>
-              <a:rPr lang="en-US" altLang="zh-TW" sz="4800" b="1" dirty="0" smtClean="0">
-                <a:solidFill>
-                  <a:srgbClr val="000066"/>
-                </a:solidFill>
-                <a:latin typeface="微軟正黑體" pitchFamily="34" charset="-120"/>
-                <a:ea typeface="微軟正黑體" pitchFamily="34" charset="-120"/>
-              </a:rPr>
-              <a:t> </a:t>
-            </a:r>
-            <a:r>
-              <a:rPr lang="zh-TW" altLang="en-US" sz="4800" b="1" dirty="0" smtClean="0">
-                <a:solidFill>
-                  <a:srgbClr val="000066"/>
-                </a:solidFill>
-                <a:latin typeface="微軟正黑體" pitchFamily="34" charset="-120"/>
-                <a:ea typeface="微軟正黑體" pitchFamily="34" charset="-120"/>
-              </a:rPr>
-              <a:t>都</a:t>
-            </a:r>
-            <a:r>
-              <a:rPr lang="zh-TW" altLang="en-US" sz="4800" b="1" dirty="0">
-                <a:solidFill>
-                  <a:srgbClr val="000066"/>
-                </a:solidFill>
-                <a:latin typeface="微軟正黑體" pitchFamily="34" charset="-120"/>
-                <a:ea typeface="微軟正黑體" pitchFamily="34" charset="-120"/>
-              </a:rPr>
-              <a:t>歸我主我的</a:t>
-            </a:r>
-            <a:r>
-              <a:rPr lang="zh-TW" altLang="en-US" sz="4800" b="1" dirty="0" smtClean="0">
-                <a:solidFill>
-                  <a:srgbClr val="000066"/>
-                </a:solidFill>
-                <a:latin typeface="微軟正黑體" pitchFamily="34" charset="-120"/>
-                <a:ea typeface="微軟正黑體" pitchFamily="34" charset="-120"/>
-              </a:rPr>
-              <a:t>神</a:t>
-            </a:r>
-            <a:endParaRPr lang="en-US" altLang="zh-TW" sz="4800" b="1" dirty="0">
-              <a:solidFill>
-                <a:srgbClr val="000066"/>
-              </a:solidFill>
-              <a:latin typeface="微軟正黑體" pitchFamily="34" charset="-120"/>
-              <a:ea typeface="微軟正黑體" pitchFamily="34" charset="-120"/>
-            </a:endParaRPr>
-          </a:p>
-          <a:p>
-            <a:pPr algn="ctr">
-              <a:buNone/>
-            </a:pPr>
-            <a:r>
-              <a:rPr lang="zh-CN" altLang="en-US" sz="4800" b="1" dirty="0">
-                <a:solidFill>
-                  <a:srgbClr val="000066"/>
-                </a:solidFill>
-                <a:latin typeface="微軟正黑體" pitchFamily="34" charset="-120"/>
-                <a:ea typeface="微軟正黑體" pitchFamily="34" charset="-120"/>
-              </a:rPr>
-              <a:t>袮</a:t>
-            </a:r>
-            <a:r>
-              <a:rPr lang="zh-TW" altLang="en-US" sz="4800" b="1" dirty="0" smtClean="0">
-                <a:solidFill>
-                  <a:srgbClr val="000066"/>
-                </a:solidFill>
-                <a:latin typeface="微軟正黑體" pitchFamily="34" charset="-120"/>
-                <a:ea typeface="微軟正黑體" pitchFamily="34" charset="-120"/>
-              </a:rPr>
-              <a:t>是</a:t>
-            </a:r>
-            <a:r>
-              <a:rPr lang="zh-TW" altLang="en-US" sz="4800" b="1" dirty="0">
-                <a:solidFill>
-                  <a:srgbClr val="000066"/>
-                </a:solidFill>
-                <a:latin typeface="微軟正黑體" pitchFamily="34" charset="-120"/>
-                <a:ea typeface="微軟正黑體" pitchFamily="34" charset="-120"/>
-              </a:rPr>
-              <a:t>配得歌頌與</a:t>
-            </a:r>
-            <a:r>
-              <a:rPr lang="zh-TW" altLang="en-US" sz="4800" b="1" dirty="0" smtClean="0">
-                <a:solidFill>
-                  <a:srgbClr val="000066"/>
-                </a:solidFill>
-                <a:latin typeface="微軟正黑體" pitchFamily="34" charset="-120"/>
-                <a:ea typeface="微軟正黑體" pitchFamily="34" charset="-120"/>
-              </a:rPr>
-              <a:t>讚美</a:t>
-            </a:r>
-            <a:endParaRPr lang="en-US" altLang="zh-TW" sz="4800" b="1" dirty="0" smtClean="0">
-              <a:solidFill>
-                <a:srgbClr val="000066"/>
-              </a:solidFill>
-              <a:latin typeface="微軟正黑體" pitchFamily="34" charset="-120"/>
-              <a:ea typeface="微軟正黑體" pitchFamily="34" charset="-120"/>
-            </a:endParaRPr>
-          </a:p>
-          <a:p>
-            <a:pPr algn="ctr">
-              <a:buNone/>
-            </a:pPr>
-            <a:r>
-              <a:rPr lang="zh-TW" altLang="en-US" sz="4800" b="1" dirty="0" smtClean="0">
-                <a:solidFill>
-                  <a:srgbClr val="000066"/>
-                </a:solidFill>
-                <a:latin typeface="微軟正黑體" pitchFamily="34" charset="-120"/>
-                <a:ea typeface="微軟正黑體" pitchFamily="34" charset="-120"/>
-              </a:rPr>
-              <a:t>我們</a:t>
-            </a:r>
-            <a:r>
-              <a:rPr lang="zh-TW" altLang="en-US" sz="4800" b="1" dirty="0">
-                <a:solidFill>
-                  <a:srgbClr val="000066"/>
-                </a:solidFill>
-                <a:latin typeface="微軟正黑體" pitchFamily="34" charset="-120"/>
-                <a:ea typeface="微軟正黑體" pitchFamily="34" charset="-120"/>
-              </a:rPr>
-              <a:t>高聲</a:t>
-            </a:r>
-            <a:r>
-              <a:rPr lang="zh-TW" altLang="en-US" sz="4800" b="1" dirty="0" smtClean="0">
-                <a:solidFill>
-                  <a:srgbClr val="000066"/>
-                </a:solidFill>
-                <a:latin typeface="微軟正黑體" pitchFamily="34" charset="-120"/>
-                <a:ea typeface="微軟正黑體" pitchFamily="34" charset="-120"/>
-              </a:rPr>
-              <a:t>呼喊</a:t>
-            </a:r>
-            <a:endParaRPr lang="en-US" altLang="zh-TW" sz="4800" b="1" dirty="0">
-              <a:solidFill>
-                <a:srgbClr val="000066"/>
-              </a:solidFill>
-              <a:latin typeface="微軟正黑體" pitchFamily="34" charset="-120"/>
-              <a:ea typeface="微軟正黑體" pitchFamily="34" charset="-120"/>
-            </a:endParaRPr>
-          </a:p>
-          <a:p>
-            <a:pPr algn="ctr">
-              <a:buNone/>
-            </a:pPr>
-            <a:r>
-              <a:rPr lang="zh-TW" altLang="en-US" sz="4800" b="1" dirty="0" smtClean="0">
-                <a:solidFill>
-                  <a:srgbClr val="000066"/>
-                </a:solidFill>
-                <a:latin typeface="微軟正黑體" pitchFamily="34" charset="-120"/>
-                <a:ea typeface="微軟正黑體" pitchFamily="34" charset="-120"/>
-              </a:rPr>
-              <a:t>高舉</a:t>
-            </a:r>
-            <a:r>
-              <a:rPr lang="zh-TW" altLang="en-US" sz="4800" b="1" dirty="0">
-                <a:solidFill>
-                  <a:srgbClr val="000066"/>
-                </a:solidFill>
-                <a:latin typeface="微軟正黑體" pitchFamily="34" charset="-120"/>
-                <a:ea typeface="微軟正黑體" pitchFamily="34" charset="-120"/>
-              </a:rPr>
-              <a:t>耶穌聖</a:t>
-            </a:r>
-            <a:r>
-              <a:rPr lang="zh-TW" altLang="en-US" sz="4800" b="1" dirty="0" smtClean="0">
-                <a:solidFill>
-                  <a:srgbClr val="000066"/>
-                </a:solidFill>
-                <a:latin typeface="微軟正黑體" pitchFamily="34" charset="-120"/>
-                <a:ea typeface="微軟正黑體" pitchFamily="34" charset="-120"/>
-              </a:rPr>
-              <a:t>名  哈</a:t>
-            </a:r>
-            <a:r>
-              <a:rPr lang="zh-TW" altLang="en-US" sz="4800" b="1" dirty="0">
-                <a:solidFill>
-                  <a:srgbClr val="000066"/>
-                </a:solidFill>
-                <a:latin typeface="微軟正黑體" pitchFamily="34" charset="-120"/>
-                <a:ea typeface="微軟正黑體" pitchFamily="34" charset="-120"/>
-              </a:rPr>
-              <a:t>利路</a:t>
-            </a:r>
-            <a:r>
-              <a:rPr lang="zh-TW" altLang="en-US" sz="4800" b="1" dirty="0" smtClean="0">
-                <a:solidFill>
-                  <a:srgbClr val="000066"/>
-                </a:solidFill>
-                <a:latin typeface="微軟正黑體" pitchFamily="34" charset="-120"/>
-                <a:ea typeface="微軟正黑體" pitchFamily="34" charset="-120"/>
-              </a:rPr>
-              <a:t>亞</a:t>
-            </a:r>
-            <a:endParaRPr lang="zh-TW" altLang="en-US" sz="4800" b="1" dirty="0">
-              <a:solidFill>
-                <a:srgbClr val="000066"/>
-              </a:solidFill>
-              <a:latin typeface="微軟正黑體" pitchFamily="34" charset="-120"/>
-              <a:ea typeface="微軟正黑體" pitchFamily="34" charset="-120"/>
-            </a:endParaRPr>
+              <a:t>切歌頌讚美</a:t>
+            </a:r>
           </a:p>
         </p:txBody>
       </p:sp>
     </p:spTree>
+    <p:extLst>
+      <p:ext uri="{BB962C8B-B14F-4D97-AF65-F5344CB8AC3E}">
+        <p14:creationId xmlns:p14="http://schemas.microsoft.com/office/powerpoint/2010/main" val="4112395970"/>
+      </p:ext>
+    </p:extLst>
   </p:cSld>
   <p:clrMapOvr>
     <a:masterClrMapping/>
@@ -3387,216 +3156,107 @@
       </p:grpSpPr>
       <p:sp>
         <p:nvSpPr>
-          <p:cNvPr id="4" name="標題 3"/>
-          <p:cNvSpPr>
-            <a:spLocks noGrp="1"/>
-          </p:cNvSpPr>
-          <p:nvPr>
-            <p:ph type="title"/>
-          </p:nvPr>
-        </p:nvSpPr>
-        <p:spPr/>
-        <p:txBody>
-          <a:bodyPr>
+          <p:cNvPr id="5" name="內容版面配置區 4"/>
+          <p:cNvSpPr>
+            <a:spLocks noGrp="1"/>
+          </p:cNvSpPr>
+          <p:nvPr>
+            <p:ph idx="1"/>
+          </p:nvPr>
+        </p:nvSpPr>
+        <p:spPr>
+          <a:xfrm>
+            <a:off x="0" y="1563638"/>
+            <a:ext cx="9144000" cy="1803647"/>
+          </a:xfrm>
+        </p:spPr>
+        <p:txBody>
+          <a:bodyPr anchor="ctr">
             <a:normAutofit/>
           </a:bodyPr>
           <a:lstStyle/>
           <a:p>
-            <a:r>
-              <a:rPr lang="zh-TW" altLang="en-US" sz="4000" b="1" dirty="0" smtClean="0">
+            <a:pPr algn="ctr">
+              <a:buNone/>
+            </a:pPr>
+            <a:r>
+              <a:rPr lang="zh-TW" altLang="en-US" sz="4800" b="1" dirty="0">
                 <a:solidFill>
-                  <a:srgbClr val="000066"/>
+                  <a:srgbClr val="660033"/>
                 </a:solidFill>
                 <a:latin typeface="微軟正黑體" pitchFamily="34" charset="-120"/>
                 <a:ea typeface="微軟正黑體" pitchFamily="34" charset="-120"/>
               </a:rPr>
               <a:t>一切歌頌讚美</a:t>
             </a:r>
-            <a:endParaRPr lang="zh-TW" altLang="en-US" sz="4000" b="1" dirty="0">
+            <a:r>
+              <a:rPr lang="en-US" altLang="zh-TW" sz="4800" b="1" dirty="0">
+                <a:solidFill>
+                  <a:srgbClr val="660033"/>
+                </a:solidFill>
+                <a:latin typeface="微軟正黑體" pitchFamily="34" charset="-120"/>
+                <a:ea typeface="微軟正黑體" pitchFamily="34" charset="-120"/>
+              </a:rPr>
+              <a:t>  </a:t>
+            </a:r>
+            <a:r>
+              <a:rPr lang="zh-TW" altLang="en-US" sz="4800" b="1" dirty="0">
+                <a:solidFill>
+                  <a:srgbClr val="660033"/>
+                </a:solidFill>
+                <a:latin typeface="微軟正黑體" pitchFamily="34" charset="-120"/>
+                <a:ea typeface="微軟正黑體" pitchFamily="34" charset="-120"/>
+              </a:rPr>
+              <a:t>都歸我主我的神</a:t>
+            </a:r>
+            <a:endParaRPr lang="en-US" altLang="zh-TW" sz="4800" b="1" dirty="0">
               <a:solidFill>
-                <a:srgbClr val="000066"/>
+                <a:srgbClr val="660033"/>
               </a:solidFill>
               <a:latin typeface="微軟正黑體" pitchFamily="34" charset="-120"/>
               <a:ea typeface="微軟正黑體" pitchFamily="34" charset="-120"/>
             </a:endParaRPr>
           </a:p>
-        </p:txBody>
-      </p:sp>
-      <p:sp>
-        <p:nvSpPr>
-          <p:cNvPr id="5" name="內容版面配置區 4"/>
-          <p:cNvSpPr>
-            <a:spLocks noGrp="1"/>
-          </p:cNvSpPr>
-          <p:nvPr>
-            <p:ph idx="1"/>
-          </p:nvPr>
-        </p:nvSpPr>
-        <p:spPr/>
-        <p:txBody>
-          <a:bodyPr>
-            <a:noAutofit/>
-          </a:bodyPr>
-          <a:lstStyle/>
           <a:p>
             <a:pPr algn="ctr">
               <a:buNone/>
             </a:pPr>
             <a:r>
-              <a:rPr lang="zh-TW" altLang="en-US" sz="4800" b="1" dirty="0">
+              <a:rPr lang="zh-CN" altLang="en-US" sz="4800" b="1" dirty="0">
                 <a:solidFill>
-                  <a:srgbClr val="000066"/>
+                  <a:srgbClr val="660033"/>
                 </a:solidFill>
                 <a:latin typeface="微軟正黑體" pitchFamily="34" charset="-120"/>
                 <a:ea typeface="微軟正黑體" pitchFamily="34" charset="-120"/>
               </a:rPr>
-              <a:t>讚美</a:t>
-            </a:r>
-            <a:r>
-              <a:rPr lang="zh-TW" altLang="en-US" sz="4800" b="1" dirty="0" smtClean="0">
+              <a:t>袮</a:t>
+            </a:r>
+            <a:r>
+              <a:rPr lang="zh-TW" altLang="en-US" sz="4800" b="1" dirty="0">
                 <a:solidFill>
-                  <a:srgbClr val="000066"/>
+                  <a:srgbClr val="660033"/>
                 </a:solidFill>
                 <a:latin typeface="微軟正黑體" pitchFamily="34" charset="-120"/>
                 <a:ea typeface="微軟正黑體" pitchFamily="34" charset="-120"/>
               </a:rPr>
-              <a:t>主  哈</a:t>
-            </a:r>
-            <a:r>
-              <a:rPr lang="zh-TW" altLang="en-US" sz="4800" b="1" dirty="0">
-                <a:solidFill>
-                  <a:srgbClr val="000066"/>
-                </a:solidFill>
-                <a:latin typeface="微軟正黑體" pitchFamily="34" charset="-120"/>
-                <a:ea typeface="微軟正黑體" pitchFamily="34" charset="-120"/>
-              </a:rPr>
-              <a:t>利路</a:t>
-            </a:r>
-            <a:r>
-              <a:rPr lang="zh-TW" altLang="en-US" sz="4800" b="1" dirty="0" smtClean="0">
-                <a:solidFill>
-                  <a:srgbClr val="000066"/>
-                </a:solidFill>
-                <a:latin typeface="微軟正黑體" pitchFamily="34" charset="-120"/>
-                <a:ea typeface="微軟正黑體" pitchFamily="34" charset="-120"/>
-              </a:rPr>
-              <a:t>亞</a:t>
-            </a:r>
-            <a:endParaRPr lang="en-US" altLang="zh-TW" sz="4800" b="1" dirty="0" smtClean="0">
+              <a:t>是配得歌頌與讚美</a:t>
+            </a:r>
+            <a:endParaRPr lang="en-US" altLang="zh-TW" sz="4800" b="1" dirty="0">
               <a:solidFill>
-                <a:srgbClr val="000066"/>
+                <a:srgbClr val="660033"/>
               </a:solidFill>
               <a:latin typeface="微軟正黑體" pitchFamily="34" charset="-120"/>
               <a:ea typeface="微軟正黑體" pitchFamily="34" charset="-120"/>
             </a:endParaRPr>
           </a:p>
-          <a:p>
-            <a:pPr algn="ctr">
-              <a:buNone/>
-            </a:pPr>
-            <a:r>
-              <a:rPr lang="zh-TW" altLang="en-US" sz="4800" b="1" dirty="0" smtClean="0">
-                <a:solidFill>
-                  <a:srgbClr val="000066"/>
-                </a:solidFill>
-                <a:latin typeface="微軟正黑體" pitchFamily="34" charset="-120"/>
-                <a:ea typeface="微軟正黑體" pitchFamily="34" charset="-120"/>
-              </a:rPr>
-              <a:t>哦  讚美主  哈</a:t>
-            </a:r>
-            <a:r>
-              <a:rPr lang="zh-TW" altLang="en-US" sz="4800" b="1" dirty="0">
-                <a:solidFill>
-                  <a:srgbClr val="000066"/>
-                </a:solidFill>
-                <a:latin typeface="微軟正黑體" pitchFamily="34" charset="-120"/>
-                <a:ea typeface="微軟正黑體" pitchFamily="34" charset="-120"/>
-              </a:rPr>
-              <a:t>利路</a:t>
-            </a:r>
-            <a:r>
-              <a:rPr lang="zh-TW" altLang="en-US" sz="4800" b="1" dirty="0" smtClean="0">
-                <a:solidFill>
-                  <a:srgbClr val="000066"/>
-                </a:solidFill>
-                <a:latin typeface="微軟正黑體" pitchFamily="34" charset="-120"/>
-                <a:ea typeface="微軟正黑體" pitchFamily="34" charset="-120"/>
-              </a:rPr>
-              <a:t>亞</a:t>
-            </a:r>
-            <a:endParaRPr lang="en-US" altLang="zh-TW" sz="4800" b="1" dirty="0" smtClean="0">
-              <a:solidFill>
-                <a:srgbClr val="000066"/>
-              </a:solidFill>
-              <a:latin typeface="微軟正黑體" pitchFamily="34" charset="-120"/>
-              <a:ea typeface="微軟正黑體" pitchFamily="34" charset="-120"/>
-            </a:endParaRPr>
-          </a:p>
-          <a:p>
-            <a:pPr algn="ctr">
-              <a:buNone/>
-            </a:pPr>
-            <a:r>
-              <a:rPr lang="zh-TW" altLang="en-US" sz="4800" b="1" dirty="0" smtClean="0">
-                <a:solidFill>
-                  <a:srgbClr val="000066"/>
-                </a:solidFill>
-                <a:latin typeface="微軟正黑體" pitchFamily="34" charset="-120"/>
-                <a:ea typeface="微軟正黑體" pitchFamily="34" charset="-120"/>
-              </a:rPr>
-              <a:t>哈</a:t>
-            </a:r>
-            <a:r>
-              <a:rPr lang="zh-TW" altLang="en-US" sz="4800" b="1" dirty="0">
-                <a:solidFill>
-                  <a:srgbClr val="000066"/>
-                </a:solidFill>
-                <a:latin typeface="微軟正黑體" pitchFamily="34" charset="-120"/>
-                <a:ea typeface="微軟正黑體" pitchFamily="34" charset="-120"/>
-              </a:rPr>
-              <a:t>利路</a:t>
-            </a:r>
-            <a:r>
-              <a:rPr lang="zh-TW" altLang="en-US" sz="4800" b="1" dirty="0" smtClean="0">
-                <a:solidFill>
-                  <a:srgbClr val="000066"/>
-                </a:solidFill>
-                <a:latin typeface="微軟正黑體" pitchFamily="34" charset="-120"/>
-                <a:ea typeface="微軟正黑體" pitchFamily="34" charset="-120"/>
-              </a:rPr>
-              <a:t>亞  哈</a:t>
-            </a:r>
-            <a:r>
-              <a:rPr lang="zh-TW" altLang="en-US" sz="4800" b="1" dirty="0">
-                <a:solidFill>
-                  <a:srgbClr val="000066"/>
-                </a:solidFill>
-                <a:latin typeface="微軟正黑體" pitchFamily="34" charset="-120"/>
-                <a:ea typeface="微軟正黑體" pitchFamily="34" charset="-120"/>
-              </a:rPr>
-              <a:t>利路</a:t>
-            </a:r>
-            <a:r>
-              <a:rPr lang="zh-TW" altLang="en-US" sz="4800" b="1">
-                <a:solidFill>
-                  <a:srgbClr val="000066"/>
-                </a:solidFill>
-                <a:latin typeface="微軟正黑體" pitchFamily="34" charset="-120"/>
-                <a:ea typeface="微軟正黑體" pitchFamily="34" charset="-120"/>
-              </a:rPr>
-              <a:t>亞 </a:t>
-            </a:r>
-            <a:endParaRPr lang="en-US" altLang="zh-TW" sz="4800" b="1" dirty="0" smtClean="0">
-              <a:solidFill>
-                <a:srgbClr val="000066"/>
-              </a:solidFill>
-              <a:latin typeface="微軟正黑體" pitchFamily="34" charset="-120"/>
-              <a:ea typeface="微軟正黑體" pitchFamily="34" charset="-120"/>
-            </a:endParaRPr>
-          </a:p>
         </p:txBody>
       </p:sp>
     </p:spTree>
+    <p:extLst>
+      <p:ext uri="{BB962C8B-B14F-4D97-AF65-F5344CB8AC3E}">
+        <p14:creationId xmlns:p14="http://schemas.microsoft.com/office/powerpoint/2010/main" val="599576184"/>
+      </p:ext>
+    </p:extLst>
   </p:cSld>
   <p:clrMapOvr>
     <a:masterClrMapping/>
@@ -3623,84 +3283,139 @@
       </p:grpSpPr>
       <p:sp>
         <p:nvSpPr>
-          <p:cNvPr id="4" name="標題 3"/>
-          <p:cNvSpPr>
-            <a:spLocks noGrp="1"/>
-          </p:cNvSpPr>
-          <p:nvPr>
-            <p:ph type="title"/>
-          </p:nvPr>
-        </p:nvSpPr>
-        <p:spPr/>
-        <p:txBody>
-          <a:bodyPr>
+          <p:cNvPr id="5" name="內容版面配置區 4"/>
+          <p:cNvSpPr>
+            <a:spLocks noGrp="1"/>
+          </p:cNvSpPr>
+          <p:nvPr>
+            <p:ph idx="1"/>
+          </p:nvPr>
+        </p:nvSpPr>
+        <p:spPr>
+          <a:xfrm>
+            <a:off x="0" y="1563638"/>
+            <a:ext cx="9144000" cy="1803647"/>
+          </a:xfrm>
+        </p:spPr>
+        <p:txBody>
+          <a:bodyPr anchor="ctr">
             <a:normAutofit/>
           </a:bodyPr>
           <a:lstStyle/>
           <a:p>
-            <a:r>
-              <a:rPr lang="zh-TW" altLang="en-US" sz="4000" b="1" dirty="0" smtClean="0">
+            <a:pPr algn="ctr">
+              <a:buNone/>
+            </a:pPr>
+            <a:r>
+              <a:rPr lang="zh-TW" altLang="en-US" sz="4800" b="1" dirty="0">
                 <a:solidFill>
-                  <a:srgbClr val="000066"/>
+                  <a:srgbClr val="660033"/>
                 </a:solidFill>
                 <a:latin typeface="微軟正黑體" pitchFamily="34" charset="-120"/>
                 <a:ea typeface="微軟正黑體" pitchFamily="34" charset="-120"/>
               </a:rPr>
-              <a:t>一切歌頌讚美</a:t>
-            </a:r>
-            <a:endParaRPr lang="zh-TW" altLang="en-US" sz="4000" b="1" dirty="0">
+              <a:t>我們高聲呼喊</a:t>
+            </a:r>
+            <a:endParaRPr lang="en-US" altLang="zh-TW" sz="4800" b="1" dirty="0">
               <a:solidFill>
-                <a:srgbClr val="000066"/>
+                <a:srgbClr val="660033"/>
               </a:solidFill>
               <a:latin typeface="微軟正黑體" pitchFamily="34" charset="-120"/>
               <a:ea typeface="微軟正黑體" pitchFamily="34" charset="-120"/>
             </a:endParaRPr>
           </a:p>
-        </p:txBody>
-      </p:sp>
-      <p:sp>
-        <p:nvSpPr>
-          <p:cNvPr id="5" name="內容版面配置區 4"/>
-          <p:cNvSpPr>
-            <a:spLocks noGrp="1"/>
-          </p:cNvSpPr>
-          <p:nvPr>
-            <p:ph idx="1"/>
-          </p:nvPr>
-        </p:nvSpPr>
-        <p:spPr/>
-        <p:txBody>
-          <a:bodyPr>
-            <a:noAutofit/>
-          </a:bodyPr>
-          <a:lstStyle/>
           <a:p>
             <a:pPr algn="ctr">
               <a:buNone/>
             </a:pPr>
             <a:r>
-              <a:rPr lang="zh-TW" altLang="en-US" sz="4800" b="1" dirty="0" smtClean="0">
+              <a:rPr lang="zh-TW" altLang="en-US" sz="4800" b="1" dirty="0">
                 <a:solidFill>
-                  <a:srgbClr val="000066"/>
+                  <a:srgbClr val="660033"/>
                 </a:solidFill>
                 <a:latin typeface="微軟正黑體" pitchFamily="34" charset="-120"/>
                 <a:ea typeface="微軟正黑體" pitchFamily="34" charset="-120"/>
               </a:rPr>
-              <a:t>讚</a:t>
-            </a:r>
+              <a:t>高舉耶穌聖名  哈利路亞</a:t>
+            </a:r>
+            <a:endParaRPr lang="zh-TW" altLang="en-US" sz="4800" b="1" dirty="0">
+              <a:solidFill>
+                <a:srgbClr val="660033"/>
+              </a:solidFill>
+              <a:latin typeface="微軟正黑體" pitchFamily="34" charset="-120"/>
+              <a:ea typeface="微軟正黑體" pitchFamily="34" charset="-120"/>
+            </a:endParaRPr>
+          </a:p>
+        </p:txBody>
+      </p:sp>
+    </p:spTree>
+    <p:extLst>
+      <p:ext uri="{BB962C8B-B14F-4D97-AF65-F5344CB8AC3E}">
+        <p14:creationId xmlns:p14="http://schemas.microsoft.com/office/powerpoint/2010/main" val="2115184100"/>
+      </p:ext>
+    </p:extLst>
+  </p:cSld>
+  <p:clrMapOvr>
+    <a:masterClrMapping/>
+  </p:clrMapOvr>
+</p:sld>
+</file>
+
+<file path=ppt/slides/slide4.xml><?xml version="1.0" encoding="utf-8"?>
+<p:sld xmlns:a="http://schemas.openxmlformats.org/drawingml/2006/main" xmlns:r="http://schemas.openxmlformats.org/officeDocument/2006/relationships" xmlns:p="http://schemas.openxmlformats.org/presentationml/2006/main">
+  <p:cSld>
+    <p:spTree>
+      <p:nvGrpSpPr>
+        <p:cNvPr id="1" name=""/>
+        <p:cNvGrpSpPr/>
+        <p:nvPr/>
+      </p:nvGrpSpPr>
+      <p:grpSpPr>
+        <a:xfrm>
+          <a:off x="0" y="0"/>
+          <a:ext cx="0" cy="0"/>
+          <a:chOff x="0" y="0"/>
+          <a:chExt cx="0" cy="0"/>
+        </a:xfrm>
+      </p:grpSpPr>
+      <p:sp>
+        <p:nvSpPr>
+          <p:cNvPr id="5" name="內容版面配置區 4"/>
+          <p:cNvSpPr>
+            <a:spLocks noGrp="1"/>
+          </p:cNvSpPr>
+          <p:nvPr>
+            <p:ph idx="1"/>
+          </p:nvPr>
+        </p:nvSpPr>
+        <p:spPr>
+          <a:xfrm>
+            <a:off x="0" y="1563638"/>
+            <a:ext cx="9144000" cy="1803647"/>
+          </a:xfrm>
+        </p:spPr>
+        <p:txBody>
+          <a:bodyPr anchor="ctr">
+            <a:normAutofit/>
+          </a:bodyPr>
+          <a:lstStyle/>
+          <a:p>
+            <a:pPr algn="ctr">
+              <a:buNone/>
+            </a:pPr>
             <a:r>
               <a:rPr lang="zh-TW" altLang="en-US" sz="4800" b="1" dirty="0">
                 <a:solidFill>
-                  <a:srgbClr val="000066"/>
+                  <a:srgbClr val="660033"/>
                 </a:solidFill>
                 <a:latin typeface="微軟正黑體" pitchFamily="34" charset="-120"/>
                 <a:ea typeface="微軟正黑體" pitchFamily="34" charset="-120"/>
               </a:rPr>
-              <a:t>美主  哈利路亞</a:t>
+              <a:t>讚美主  哈利路亞</a:t>
             </a:r>
             <a:endParaRPr lang="en-US" altLang="zh-TW" sz="4800" b="1" dirty="0">
               <a:solidFill>
-                <a:srgbClr val="000066"/>
+                <a:srgbClr val="660033"/>
               </a:solidFill>
               <a:latin typeface="微軟正黑體" pitchFamily="34" charset="-120"/>
               <a:ea typeface="微軟正黑體" pitchFamily="34" charset="-120"/>
@@ -3713,7 +3428,179 @@
             <a:r>
               <a:rPr lang="zh-TW" altLang="en-US" sz="4800" b="1" dirty="0">
                 <a:solidFill>
-                  <a:srgbClr val="000066"/>
+                  <a:srgbClr val="660033"/>
+                </a:solidFill>
+                <a:latin typeface="微軟正黑體" pitchFamily="34" charset="-120"/>
+                <a:ea typeface="微軟正黑體" pitchFamily="34" charset="-120"/>
+              </a:rPr>
+              <a:t>哦  讚美主  哈利路亞</a:t>
+            </a:r>
+            <a:endParaRPr lang="en-US" altLang="zh-TW" sz="4800" b="1" dirty="0">
+              <a:solidFill>
+                <a:srgbClr val="660033"/>
+              </a:solidFill>
+              <a:latin typeface="微軟正黑體" pitchFamily="34" charset="-120"/>
+              <a:ea typeface="微軟正黑體" pitchFamily="34" charset="-120"/>
+            </a:endParaRPr>
+          </a:p>
+        </p:txBody>
+      </p:sp>
+    </p:spTree>
+    <p:extLst>
+      <p:ext uri="{BB962C8B-B14F-4D97-AF65-F5344CB8AC3E}">
+        <p14:creationId xmlns:p14="http://schemas.microsoft.com/office/powerpoint/2010/main" val="3031638880"/>
+      </p:ext>
+    </p:extLst>
+  </p:cSld>
+  <p:clrMapOvr>
+    <a:masterClrMapping/>
+  </p:clrMapOvr>
+</p:sld>
+</file>
+
+<file path=ppt/slides/slide5.xml><?xml version="1.0" encoding="utf-8"?>
+<p:sld xmlns:a="http://schemas.openxmlformats.org/drawingml/2006/main" xmlns:r="http://schemas.openxmlformats.org/officeDocument/2006/relationships" xmlns:p="http://schemas.openxmlformats.org/presentationml/2006/main">
+  <p:cSld>
+    <p:spTree>
+      <p:nvGrpSpPr>
+        <p:cNvPr id="1" name=""/>
+        <p:cNvGrpSpPr/>
+        <p:nvPr/>
+      </p:nvGrpSpPr>
+      <p:grpSpPr>
+        <a:xfrm>
+          <a:off x="0" y="0"/>
+          <a:ext cx="0" cy="0"/>
+          <a:chOff x="0" y="0"/>
+          <a:chExt cx="0" cy="0"/>
+        </a:xfrm>
+      </p:grpSpPr>
+      <p:sp>
+        <p:nvSpPr>
+          <p:cNvPr id="5" name="內容版面配置區 4"/>
+          <p:cNvSpPr>
+            <a:spLocks noGrp="1"/>
+          </p:cNvSpPr>
+          <p:nvPr>
+            <p:ph idx="1"/>
+          </p:nvPr>
+        </p:nvSpPr>
+        <p:spPr>
+          <a:xfrm>
+            <a:off x="0" y="1563638"/>
+            <a:ext cx="9144000" cy="1803647"/>
+          </a:xfrm>
+        </p:spPr>
+        <p:txBody>
+          <a:bodyPr anchor="ctr">
+            <a:normAutofit/>
+          </a:bodyPr>
+          <a:lstStyle/>
+          <a:p>
+            <a:pPr algn="ctr">
+              <a:buNone/>
+            </a:pPr>
+            <a:r>
+              <a:rPr lang="zh-TW" altLang="en-US" sz="4800" b="1" dirty="0">
+                <a:solidFill>
+                  <a:srgbClr val="660033"/>
+                </a:solidFill>
+                <a:latin typeface="微軟正黑體" pitchFamily="34" charset="-120"/>
+                <a:ea typeface="微軟正黑體" pitchFamily="34" charset="-120"/>
+              </a:rPr>
+              <a:t>哈利路亞  哈利路亞 </a:t>
+            </a:r>
+            <a:endParaRPr lang="en-US" altLang="zh-TW" sz="4800" b="1" dirty="0">
+              <a:solidFill>
+                <a:srgbClr val="660033"/>
+              </a:solidFill>
+              <a:latin typeface="微軟正黑體" pitchFamily="34" charset="-120"/>
+              <a:ea typeface="微軟正黑體" pitchFamily="34" charset="-120"/>
+            </a:endParaRPr>
+          </a:p>
+        </p:txBody>
+      </p:sp>
+    </p:spTree>
+    <p:extLst>
+      <p:ext uri="{BB962C8B-B14F-4D97-AF65-F5344CB8AC3E}">
+        <p14:creationId xmlns:p14="http://schemas.microsoft.com/office/powerpoint/2010/main" val="3105274644"/>
+      </p:ext>
+    </p:extLst>
+  </p:cSld>
+  <p:clrMapOvr>
+    <a:masterClrMapping/>
+  </p:clrMapOvr>
+</p:sld>
+</file>
+
+<file path=ppt/slides/slide6.xml><?xml version="1.0" encoding="utf-8"?>
+<p:sld xmlns:a="http://schemas.openxmlformats.org/drawingml/2006/main" xmlns:r="http://schemas.openxmlformats.org/officeDocument/2006/relationships" xmlns:p="http://schemas.openxmlformats.org/presentationml/2006/main">
+  <p:cSld>
+    <p:spTree>
+      <p:nvGrpSpPr>
+        <p:cNvPr id="1" name=""/>
+        <p:cNvGrpSpPr/>
+        <p:nvPr/>
+      </p:nvGrpSpPr>
+      <p:grpSpPr>
+        <a:xfrm>
+          <a:off x="0" y="0"/>
+          <a:ext cx="0" cy="0"/>
+          <a:chOff x="0" y="0"/>
+          <a:chExt cx="0" cy="0"/>
+        </a:xfrm>
+      </p:grpSpPr>
+      <p:sp>
+        <p:nvSpPr>
+          <p:cNvPr id="5" name="內容版面配置區 4"/>
+          <p:cNvSpPr>
+            <a:spLocks noGrp="1"/>
+          </p:cNvSpPr>
+          <p:nvPr>
+            <p:ph idx="1"/>
+          </p:nvPr>
+        </p:nvSpPr>
+        <p:spPr>
+          <a:xfrm>
+            <a:off x="0" y="1563638"/>
+            <a:ext cx="9144000" cy="1803647"/>
+          </a:xfrm>
+        </p:spPr>
+        <p:txBody>
+          <a:bodyPr anchor="ctr">
+            <a:normAutofit/>
+          </a:bodyPr>
+          <a:lstStyle/>
+          <a:p>
+            <a:pPr algn="ctr">
+              <a:buNone/>
+            </a:pPr>
+            <a:r>
+              <a:rPr lang="zh-TW" altLang="en-US" sz="4800" b="1" dirty="0">
+                <a:solidFill>
+                  <a:srgbClr val="660033"/>
+                </a:solidFill>
+                <a:latin typeface="微軟正黑體" pitchFamily="34" charset="-120"/>
+                <a:ea typeface="微軟正黑體" pitchFamily="34" charset="-120"/>
+              </a:rPr>
+              <a:t>讚美主  哈利路亞</a:t>
+            </a:r>
+            <a:endParaRPr lang="en-US" altLang="zh-TW" sz="4800" b="1" dirty="0">
+              <a:solidFill>
+                <a:srgbClr val="660033"/>
+              </a:solidFill>
+              <a:latin typeface="微軟正黑體" pitchFamily="34" charset="-120"/>
+              <a:ea typeface="微軟正黑體" pitchFamily="34" charset="-120"/>
+            </a:endParaRPr>
+          </a:p>
+          <a:p>
+            <a:pPr algn="ctr">
+              <a:buNone/>
+            </a:pPr>
+            <a:r>
+              <a:rPr lang="zh-TW" altLang="en-US" sz="4800" b="1" dirty="0">
+                <a:solidFill>
+                  <a:srgbClr val="660033"/>
                 </a:solidFill>
                 <a:latin typeface="微軟正黑體" pitchFamily="34" charset="-120"/>
                 <a:ea typeface="微軟正黑體" pitchFamily="34" charset="-120"/>
@@ -3721,31 +3608,29 @@
               <a:t>哦  讚美主  哈利路</a:t>
             </a:r>
             <a:r>
-              <a:rPr lang="zh-TW" altLang="en-US" sz="4800" b="1" dirty="0" smtClean="0">
+              <a:rPr lang="zh-TW" altLang="en-US" sz="4800" b="1" dirty="0">
                 <a:solidFill>
-                  <a:srgbClr val="000066"/>
+                  <a:srgbClr val="660033"/>
                 </a:solidFill>
                 <a:latin typeface="微軟正黑體" pitchFamily="34" charset="-120"/>
                 <a:ea typeface="微軟正黑體" pitchFamily="34" charset="-120"/>
               </a:rPr>
               <a:t>亞</a:t>
             </a:r>
-            <a:endParaRPr lang="en-US" altLang="zh-TW" sz="4800" b="1" dirty="0" smtClean="0">
-              <a:solidFill>
-                <a:srgbClr val="000066"/>
-              </a:solidFill>
-              <a:latin typeface="微軟正黑體" pitchFamily="34" charset="-120"/>
-              <a:ea typeface="微軟正黑體" pitchFamily="34" charset="-120"/>
-            </a:endParaRPr>
-          </a:p>
-          <a:p>
-            <a:pPr algn="ctr">
-              <a:buNone/>
-            </a:pPr>
-            <a:r>
-              <a:rPr lang="zh-TW" altLang="en-US" sz="4800" b="1" dirty="0" smtClean="0">
+            <a:r>
+              <a:rPr lang="en-US" altLang="zh-TW" sz="4800" b="1" dirty="0">
                 <a:solidFill>
-                  <a:srgbClr val="000066"/>
+                  <a:srgbClr val="660033"/>
+                </a:solidFill>
+                <a:latin typeface="微軟正黑體" pitchFamily="34" charset="-120"/>
+                <a:ea typeface="微軟正黑體" pitchFamily="34" charset="-120"/>
+              </a:rPr>
+              <a:t>  </a:t>
+            </a:r>
+            <a:r>
+              <a:rPr lang="zh-TW" altLang="en-US" sz="4800" b="1" dirty="0">
+                <a:solidFill>
+                  <a:srgbClr val="660033"/>
                 </a:solidFill>
                 <a:latin typeface="微軟正黑體" pitchFamily="34" charset="-120"/>
                 <a:ea typeface="微軟正黑體" pitchFamily="34" charset="-120"/>
@@ -3755,49 +3640,20 @@
             <a:r>
               <a:rPr lang="zh-TW" altLang="en-US" sz="4800" b="1" dirty="0">
                 <a:solidFill>
-                  <a:srgbClr val="000066"/>
+                  <a:srgbClr val="660033"/>
                 </a:solidFill>
                 <a:latin typeface="微軟正黑體" pitchFamily="34" charset="-120"/>
                 <a:ea typeface="微軟正黑體" pitchFamily="34" charset="-120"/>
               </a:rPr>
-              <a:t>利</a:t>
-            </a:r>
-            <a:r>
-              <a:rPr lang="zh-TW" altLang="en-US" sz="4800" b="1" dirty="0" smtClean="0">
-                <a:solidFill>
-                  <a:srgbClr val="000066"/>
-                </a:solidFill>
-                <a:latin typeface="微軟正黑體" pitchFamily="34" charset="-120"/>
-                <a:ea typeface="微軟正黑體" pitchFamily="34" charset="-120"/>
-              </a:rPr>
-              <a:t>路亞</a:t>
-            </a:r>
-            <a:endParaRPr lang="zh-TW" altLang="en-US" sz="4800" b="1" dirty="0">
-              <a:solidFill>
-                <a:srgbClr val="000066"/>
-              </a:solidFill>
-              <a:latin typeface="微軟正黑體" pitchFamily="34" charset="-120"/>
-              <a:ea typeface="微軟正黑體" pitchFamily="34" charset="-120"/>
-            </a:endParaRPr>
-          </a:p>
-          <a:p>
-            <a:pPr algn="ctr">
-              <a:buNone/>
-            </a:pPr>
-            <a:endParaRPr lang="zh-TW" altLang="en-US" sz="4800" b="1" dirty="0">
-              <a:solidFill>
-                <a:srgbClr val="000066"/>
-              </a:solidFill>
-              <a:latin typeface="微軟正黑體" pitchFamily="34" charset="-120"/>
-              <a:ea typeface="微軟正黑體" pitchFamily="34" charset="-120"/>
-            </a:endParaRPr>
+              <a:t>利路亞</a:t>
+            </a:r>
           </a:p>
         </p:txBody>
       </p:sp>
     </p:spTree>
     <p:extLst>
       <p:ext uri="{BB962C8B-B14F-4D97-AF65-F5344CB8AC3E}">
-        <p14:creationId xmlns:p14="http://schemas.microsoft.com/office/powerpoint/2010/main" val="3087116617"/>
+        <p14:creationId xmlns:p14="http://schemas.microsoft.com/office/powerpoint/2010/main" val="3313555474"/>
       </p:ext>
     </p:extLst>
   </p:cSld>

--- a/一切歌頌讚美(崇拜版).pptx
+++ b/一切歌頌讚美(崇拜版).pptx
@@ -309,7 +309,7 @@
           <a:p>
             <a:fld id="{BFEB1A99-8C3F-4D98-8584-B5DB38B1A655}" type="datetimeFigureOut">
               <a:rPr lang="zh-TW" altLang="en-US" smtClean="0"/>
-              <a:t>2020/11/20</a:t>
+              <a:t>2022/1/7</a:t>
             </a:fld>
             <a:endParaRPr lang="zh-TW" altLang="en-US"/>
           </a:p>
@@ -474,7 +474,7 @@
           <a:p>
             <a:fld id="{BFEB1A99-8C3F-4D98-8584-B5DB38B1A655}" type="datetimeFigureOut">
               <a:rPr lang="zh-TW" altLang="en-US" smtClean="0"/>
-              <a:t>2020/11/20</a:t>
+              <a:t>2022/1/7</a:t>
             </a:fld>
             <a:endParaRPr lang="zh-TW" altLang="en-US"/>
           </a:p>
@@ -649,7 +649,7 @@
           <a:p>
             <a:fld id="{BFEB1A99-8C3F-4D98-8584-B5DB38B1A655}" type="datetimeFigureOut">
               <a:rPr lang="zh-TW" altLang="en-US" smtClean="0"/>
-              <a:t>2020/11/20</a:t>
+              <a:t>2022/1/7</a:t>
             </a:fld>
             <a:endParaRPr lang="zh-TW" altLang="en-US"/>
           </a:p>
@@ -814,7 +814,7 @@
           <a:p>
             <a:fld id="{BFEB1A99-8C3F-4D98-8584-B5DB38B1A655}" type="datetimeFigureOut">
               <a:rPr lang="zh-TW" altLang="en-US" smtClean="0"/>
-              <a:t>2020/11/20</a:t>
+              <a:t>2022/1/7</a:t>
             </a:fld>
             <a:endParaRPr lang="zh-TW" altLang="en-US"/>
           </a:p>
@@ -1055,7 +1055,7 @@
           <a:p>
             <a:fld id="{BFEB1A99-8C3F-4D98-8584-B5DB38B1A655}" type="datetimeFigureOut">
               <a:rPr lang="zh-TW" altLang="en-US" smtClean="0"/>
-              <a:t>2020/11/20</a:t>
+              <a:t>2022/1/7</a:t>
             </a:fld>
             <a:endParaRPr lang="zh-TW" altLang="en-US"/>
           </a:p>
@@ -1338,7 +1338,7 @@
           <a:p>
             <a:fld id="{BFEB1A99-8C3F-4D98-8584-B5DB38B1A655}" type="datetimeFigureOut">
               <a:rPr lang="zh-TW" altLang="en-US" smtClean="0"/>
-              <a:t>2020/11/20</a:t>
+              <a:t>2022/1/7</a:t>
             </a:fld>
             <a:endParaRPr lang="zh-TW" altLang="en-US"/>
           </a:p>
@@ -1755,7 +1755,7 @@
           <a:p>
             <a:fld id="{BFEB1A99-8C3F-4D98-8584-B5DB38B1A655}" type="datetimeFigureOut">
               <a:rPr lang="zh-TW" altLang="en-US" smtClean="0"/>
-              <a:t>2020/11/20</a:t>
+              <a:t>2022/1/7</a:t>
             </a:fld>
             <a:endParaRPr lang="zh-TW" altLang="en-US"/>
           </a:p>
@@ -1868,7 +1868,7 @@
           <a:p>
             <a:fld id="{BFEB1A99-8C3F-4D98-8584-B5DB38B1A655}" type="datetimeFigureOut">
               <a:rPr lang="zh-TW" altLang="en-US" smtClean="0"/>
-              <a:t>2020/11/20</a:t>
+              <a:t>2022/1/7</a:t>
             </a:fld>
             <a:endParaRPr lang="zh-TW" altLang="en-US"/>
           </a:p>
@@ -1958,7 +1958,7 @@
           <a:p>
             <a:fld id="{BFEB1A99-8C3F-4D98-8584-B5DB38B1A655}" type="datetimeFigureOut">
               <a:rPr lang="zh-TW" altLang="en-US" smtClean="0"/>
-              <a:t>2020/11/20</a:t>
+              <a:t>2022/1/7</a:t>
             </a:fld>
             <a:endParaRPr lang="zh-TW" altLang="en-US"/>
           </a:p>
@@ -2230,7 +2230,7 @@
           <a:p>
             <a:fld id="{BFEB1A99-8C3F-4D98-8584-B5DB38B1A655}" type="datetimeFigureOut">
               <a:rPr lang="zh-TW" altLang="en-US" smtClean="0"/>
-              <a:t>2020/11/20</a:t>
+              <a:t>2022/1/7</a:t>
             </a:fld>
             <a:endParaRPr lang="zh-TW" altLang="en-US"/>
           </a:p>
@@ -2482,7 +2482,7 @@
           <a:p>
             <a:fld id="{BFEB1A99-8C3F-4D98-8584-B5DB38B1A655}" type="datetimeFigureOut">
               <a:rPr lang="zh-TW" altLang="en-US" smtClean="0"/>
-              <a:t>2020/11/20</a:t>
+              <a:t>2022/1/7</a:t>
             </a:fld>
             <a:endParaRPr lang="zh-TW" altLang="en-US"/>
           </a:p>
@@ -2695,7 +2695,7 @@
           <a:p>
             <a:fld id="{BFEB1A99-8C3F-4D98-8584-B5DB38B1A655}" type="datetimeFigureOut">
               <a:rPr lang="zh-TW" altLang="en-US" smtClean="0"/>
-              <a:t>2020/11/20</a:t>
+              <a:t>2022/1/7</a:t>
             </a:fld>
             <a:endParaRPr lang="zh-TW" altLang="en-US"/>
           </a:p>
@@ -3251,6 +3251,83 @@
           </a:p>
         </p:txBody>
       </p:sp>
+      <p:sp>
+        <p:nvSpPr>
+          <p:cNvPr id="3" name="TextBox 2"/>
+          <p:cNvSpPr txBox="1"/>
+          <p:nvPr/>
+        </p:nvSpPr>
+        <p:spPr>
+          <a:xfrm>
+            <a:off x="0" y="3939902"/>
+            <a:ext cx="9144000" cy="646331"/>
+          </a:xfrm>
+          <a:prstGeom prst="rect">
+            <a:avLst/>
+          </a:prstGeom>
+          <a:noFill/>
+        </p:spPr>
+        <p:txBody>
+          <a:bodyPr wrap="square" rtlCol="0">
+            <a:spAutoFit/>
+          </a:bodyPr>
+          <a:lstStyle/>
+          <a:p>
+            <a:pPr algn="ctr"/>
+            <a:r>
+              <a:rPr lang="en-US" sz="3600" b="1" dirty="0">
+                <a:solidFill>
+                  <a:srgbClr val="660033"/>
+                </a:solidFill>
+                <a:effectLst/>
+                <a:latin typeface="Microsoft JhengHei" panose="020B0604030504040204" pitchFamily="34" charset="-120"/>
+                <a:ea typeface="Microsoft JhengHei" panose="020B0604030504040204" pitchFamily="34" charset="-120"/>
+              </a:rPr>
+              <a:t>( </a:t>
+            </a:r>
+            <a:r>
+              <a:rPr lang="zh-CN" altLang="en-US" sz="3600" b="1" dirty="0" smtClean="0">
+                <a:solidFill>
+                  <a:srgbClr val="660033"/>
+                </a:solidFill>
+                <a:effectLst/>
+                <a:latin typeface="Microsoft JhengHei" panose="020B0604030504040204" pitchFamily="34" charset="-120"/>
+                <a:ea typeface="Microsoft JhengHei" panose="020B0604030504040204" pitchFamily="34" charset="-120"/>
+              </a:rPr>
+              <a:t>正</a:t>
+            </a:r>
+            <a:r>
+              <a:rPr lang="en-US" sz="3600" b="1" dirty="0" smtClean="0">
+                <a:solidFill>
+                  <a:srgbClr val="660033"/>
+                </a:solidFill>
+                <a:effectLst/>
+                <a:latin typeface="Microsoft JhengHei" panose="020B0604030504040204" pitchFamily="34" charset="-120"/>
+                <a:ea typeface="Microsoft JhengHei" panose="020B0604030504040204" pitchFamily="34" charset="-120"/>
+              </a:rPr>
+              <a:t> </a:t>
+            </a:r>
+            <a:r>
+              <a:rPr lang="en-US" sz="3600" b="1" dirty="0">
+                <a:solidFill>
+                  <a:srgbClr val="660033"/>
+                </a:solidFill>
+                <a:effectLst/>
+                <a:latin typeface="Microsoft JhengHei" panose="020B0604030504040204" pitchFamily="34" charset="-120"/>
+                <a:ea typeface="Microsoft JhengHei" panose="020B0604030504040204" pitchFamily="34" charset="-120"/>
+              </a:rPr>
+              <a:t>)</a:t>
+            </a:r>
+            <a:endParaRPr lang="vi-VN" sz="3600" b="1" dirty="0">
+              <a:solidFill>
+                <a:srgbClr val="660033"/>
+              </a:solidFill>
+              <a:effectLst/>
+              <a:ea typeface="Microsoft JhengHei" panose="020B0604030504040204" pitchFamily="34" charset="-120"/>
+            </a:endParaRPr>
+          </a:p>
+        </p:txBody>
+      </p:sp>
     </p:spTree>
     <p:extLst>
       <p:ext uri="{BB962C8B-B14F-4D97-AF65-F5344CB8AC3E}">
@@ -3338,12 +3415,82 @@
               </a:rPr>
               <a:t>高舉耶穌聖名  哈利路亞</a:t>
             </a:r>
-            <a:endParaRPr lang="zh-TW" altLang="en-US" sz="4800" b="1" dirty="0">
+          </a:p>
+        </p:txBody>
+      </p:sp>
+      <p:sp>
+        <p:nvSpPr>
+          <p:cNvPr id="3" name="TextBox 2"/>
+          <p:cNvSpPr txBox="1"/>
+          <p:nvPr/>
+        </p:nvSpPr>
+        <p:spPr>
+          <a:xfrm>
+            <a:off x="0" y="3939902"/>
+            <a:ext cx="9144000" cy="646331"/>
+          </a:xfrm>
+          <a:prstGeom prst="rect">
+            <a:avLst/>
+          </a:prstGeom>
+          <a:noFill/>
+        </p:spPr>
+        <p:txBody>
+          <a:bodyPr wrap="square" rtlCol="0">
+            <a:spAutoFit/>
+          </a:bodyPr>
+          <a:lstStyle/>
+          <a:p>
+            <a:pPr algn="ctr"/>
+            <a:r>
+              <a:rPr lang="en-US" sz="3600" b="1" dirty="0">
+                <a:solidFill>
+                  <a:srgbClr val="660033"/>
+                </a:solidFill>
+                <a:effectLst/>
+                <a:latin typeface="Microsoft JhengHei" panose="020B0604030504040204" pitchFamily="34" charset="-120"/>
+                <a:ea typeface="Microsoft JhengHei" panose="020B0604030504040204" pitchFamily="34" charset="-120"/>
+              </a:rPr>
+              <a:t>( </a:t>
+            </a:r>
+            <a:r>
+              <a:rPr lang="zh-CN" altLang="en-US" sz="3600" b="1" dirty="0" smtClean="0">
+                <a:solidFill>
+                  <a:srgbClr val="660033"/>
+                </a:solidFill>
+                <a:effectLst/>
+                <a:latin typeface="Microsoft JhengHei" panose="020B0604030504040204" pitchFamily="34" charset="-120"/>
+                <a:ea typeface="Microsoft JhengHei" panose="020B0604030504040204" pitchFamily="34" charset="-120"/>
+              </a:rPr>
+              <a:t>正</a:t>
+            </a:r>
+            <a:r>
+              <a:rPr lang="en-US" sz="3600" b="1" dirty="0" smtClean="0">
+                <a:solidFill>
+                  <a:srgbClr val="660033"/>
+                </a:solidFill>
+                <a:effectLst/>
+                <a:latin typeface="Microsoft JhengHei" panose="020B0604030504040204" pitchFamily="34" charset="-120"/>
+                <a:ea typeface="Microsoft JhengHei" panose="020B0604030504040204" pitchFamily="34" charset="-120"/>
+              </a:rPr>
+              <a:t> </a:t>
+            </a:r>
+            <a:r>
+              <a:rPr lang="en-US" sz="3600" b="1" dirty="0">
+                <a:solidFill>
+                  <a:srgbClr val="660033"/>
+                </a:solidFill>
+                <a:effectLst/>
+                <a:latin typeface="Microsoft JhengHei" panose="020B0604030504040204" pitchFamily="34" charset="-120"/>
+                <a:ea typeface="Microsoft JhengHei" panose="020B0604030504040204" pitchFamily="34" charset="-120"/>
+              </a:rPr>
+              <a:t>)</a:t>
+            </a:r>
+            <a:endParaRPr lang="vi-VN" sz="3600" b="1" dirty="0">
               <a:solidFill>
                 <a:srgbClr val="660033"/>
               </a:solidFill>
-              <a:latin typeface="微軟正黑體" pitchFamily="34" charset="-120"/>
-              <a:ea typeface="微軟正黑體" pitchFamily="34" charset="-120"/>
+              <a:effectLst/>
+              <a:ea typeface="Microsoft JhengHei" panose="020B0604030504040204" pitchFamily="34" charset="-120"/>
             </a:endParaRPr>
           </a:p>
         </p:txBody>
@@ -3445,6 +3592,83 @@
           </a:p>
         </p:txBody>
       </p:sp>
+      <p:sp>
+        <p:nvSpPr>
+          <p:cNvPr id="3" name="TextBox 2"/>
+          <p:cNvSpPr txBox="1"/>
+          <p:nvPr/>
+        </p:nvSpPr>
+        <p:spPr>
+          <a:xfrm>
+            <a:off x="0" y="3939902"/>
+            <a:ext cx="9144000" cy="646331"/>
+          </a:xfrm>
+          <a:prstGeom prst="rect">
+            <a:avLst/>
+          </a:prstGeom>
+          <a:noFill/>
+        </p:spPr>
+        <p:txBody>
+          <a:bodyPr wrap="square" rtlCol="0">
+            <a:spAutoFit/>
+          </a:bodyPr>
+          <a:lstStyle/>
+          <a:p>
+            <a:pPr algn="ctr"/>
+            <a:r>
+              <a:rPr lang="en-US" sz="3600" b="1" dirty="0">
+                <a:solidFill>
+                  <a:srgbClr val="660033"/>
+                </a:solidFill>
+                <a:effectLst/>
+                <a:latin typeface="Microsoft JhengHei" panose="020B0604030504040204" pitchFamily="34" charset="-120"/>
+                <a:ea typeface="Microsoft JhengHei" panose="020B0604030504040204" pitchFamily="34" charset="-120"/>
+              </a:rPr>
+              <a:t>( </a:t>
+            </a:r>
+            <a:r>
+              <a:rPr lang="zh-CN" altLang="en-US" sz="3600" b="1" dirty="0" smtClean="0">
+                <a:solidFill>
+                  <a:srgbClr val="660033"/>
+                </a:solidFill>
+                <a:effectLst/>
+                <a:latin typeface="Microsoft JhengHei" panose="020B0604030504040204" pitchFamily="34" charset="-120"/>
+                <a:ea typeface="Microsoft JhengHei" panose="020B0604030504040204" pitchFamily="34" charset="-120"/>
+              </a:rPr>
+              <a:t>副</a:t>
+            </a:r>
+            <a:r>
+              <a:rPr lang="en-US" sz="3600" b="1" dirty="0" smtClean="0">
+                <a:solidFill>
+                  <a:srgbClr val="660033"/>
+                </a:solidFill>
+                <a:effectLst/>
+                <a:latin typeface="Microsoft JhengHei" panose="020B0604030504040204" pitchFamily="34" charset="-120"/>
+                <a:ea typeface="Microsoft JhengHei" panose="020B0604030504040204" pitchFamily="34" charset="-120"/>
+              </a:rPr>
+              <a:t> </a:t>
+            </a:r>
+            <a:r>
+              <a:rPr lang="en-US" sz="3600" b="1" dirty="0">
+                <a:solidFill>
+                  <a:srgbClr val="660033"/>
+                </a:solidFill>
+                <a:effectLst/>
+                <a:latin typeface="Microsoft JhengHei" panose="020B0604030504040204" pitchFamily="34" charset="-120"/>
+                <a:ea typeface="Microsoft JhengHei" panose="020B0604030504040204" pitchFamily="34" charset="-120"/>
+              </a:rPr>
+              <a:t>)</a:t>
+            </a:r>
+            <a:endParaRPr lang="vi-VN" sz="3600" b="1" dirty="0">
+              <a:solidFill>
+                <a:srgbClr val="660033"/>
+              </a:solidFill>
+              <a:effectLst/>
+              <a:ea typeface="Microsoft JhengHei" panose="020B0604030504040204" pitchFamily="34" charset="-120"/>
+            </a:endParaRPr>
+          </a:p>
+        </p:txBody>
+      </p:sp>
     </p:spTree>
     <p:extLst>
       <p:ext uri="{BB962C8B-B14F-4D97-AF65-F5344CB8AC3E}">
@@ -3520,6 +3744,83 @@
           </a:p>
         </p:txBody>
       </p:sp>
+      <p:sp>
+        <p:nvSpPr>
+          <p:cNvPr id="3" name="TextBox 2"/>
+          <p:cNvSpPr txBox="1"/>
+          <p:nvPr/>
+        </p:nvSpPr>
+        <p:spPr>
+          <a:xfrm>
+            <a:off x="0" y="3939902"/>
+            <a:ext cx="9144000" cy="646331"/>
+          </a:xfrm>
+          <a:prstGeom prst="rect">
+            <a:avLst/>
+          </a:prstGeom>
+          <a:noFill/>
+        </p:spPr>
+        <p:txBody>
+          <a:bodyPr wrap="square" rtlCol="0">
+            <a:spAutoFit/>
+          </a:bodyPr>
+          <a:lstStyle/>
+          <a:p>
+            <a:pPr algn="ctr"/>
+            <a:r>
+              <a:rPr lang="en-US" sz="3600" b="1" dirty="0">
+                <a:solidFill>
+                  <a:srgbClr val="660033"/>
+                </a:solidFill>
+                <a:effectLst/>
+                <a:latin typeface="Microsoft JhengHei" panose="020B0604030504040204" pitchFamily="34" charset="-120"/>
+                <a:ea typeface="Microsoft JhengHei" panose="020B0604030504040204" pitchFamily="34" charset="-120"/>
+              </a:rPr>
+              <a:t>( </a:t>
+            </a:r>
+            <a:r>
+              <a:rPr lang="zh-CN" altLang="en-US" sz="3600" b="1" dirty="0" smtClean="0">
+                <a:solidFill>
+                  <a:srgbClr val="660033"/>
+                </a:solidFill>
+                <a:effectLst/>
+                <a:latin typeface="Microsoft JhengHei" panose="020B0604030504040204" pitchFamily="34" charset="-120"/>
+                <a:ea typeface="Microsoft JhengHei" panose="020B0604030504040204" pitchFamily="34" charset="-120"/>
+              </a:rPr>
+              <a:t>副</a:t>
+            </a:r>
+            <a:r>
+              <a:rPr lang="en-US" sz="3600" b="1" dirty="0" smtClean="0">
+                <a:solidFill>
+                  <a:srgbClr val="660033"/>
+                </a:solidFill>
+                <a:effectLst/>
+                <a:latin typeface="Microsoft JhengHei" panose="020B0604030504040204" pitchFamily="34" charset="-120"/>
+                <a:ea typeface="Microsoft JhengHei" panose="020B0604030504040204" pitchFamily="34" charset="-120"/>
+              </a:rPr>
+              <a:t> </a:t>
+            </a:r>
+            <a:r>
+              <a:rPr lang="en-US" sz="3600" b="1" dirty="0">
+                <a:solidFill>
+                  <a:srgbClr val="660033"/>
+                </a:solidFill>
+                <a:effectLst/>
+                <a:latin typeface="Microsoft JhengHei" panose="020B0604030504040204" pitchFamily="34" charset="-120"/>
+                <a:ea typeface="Microsoft JhengHei" panose="020B0604030504040204" pitchFamily="34" charset="-120"/>
+              </a:rPr>
+              <a:t>)</a:t>
+            </a:r>
+            <a:endParaRPr lang="vi-VN" sz="3600" b="1" dirty="0">
+              <a:solidFill>
+                <a:srgbClr val="660033"/>
+              </a:solidFill>
+              <a:effectLst/>
+              <a:ea typeface="Microsoft JhengHei" panose="020B0604030504040204" pitchFamily="34" charset="-120"/>
+            </a:endParaRPr>
+          </a:p>
+        </p:txBody>
+      </p:sp>
     </p:spTree>
     <p:extLst>
       <p:ext uri="{BB962C8B-B14F-4D97-AF65-F5344CB8AC3E}">
@@ -3605,17 +3906,7 @@
                 <a:latin typeface="微軟正黑體" pitchFamily="34" charset="-120"/>
                 <a:ea typeface="微軟正黑體" pitchFamily="34" charset="-120"/>
               </a:rPr>
-              <a:t>哦  讚美主  哈利路</a:t>
-            </a:r>
-            <a:r>
-              <a:rPr lang="zh-TW" altLang="en-US" sz="4800" b="1" dirty="0">
-                <a:solidFill>
-                  <a:srgbClr val="660033"/>
-                </a:solidFill>
-                <a:latin typeface="微軟正黑體" pitchFamily="34" charset="-120"/>
-                <a:ea typeface="微軟正黑體" pitchFamily="34" charset="-120"/>
-              </a:rPr>
-              <a:t>亞</a:t>
+              <a:t>哦  讚美主  哈利路亞</a:t>
             </a:r>
             <a:r>
               <a:rPr lang="en-US" altLang="zh-TW" sz="4800" b="1" dirty="0">
@@ -3635,18 +3926,85 @@
                 <a:latin typeface="微軟正黑體" pitchFamily="34" charset="-120"/>
                 <a:ea typeface="微軟正黑體" pitchFamily="34" charset="-120"/>
               </a:rPr>
-              <a:t>哈</a:t>
-            </a:r>
-            <a:r>
-              <a:rPr lang="zh-TW" altLang="en-US" sz="4800" b="1" dirty="0">
+              <a:t>哈利路亞</a:t>
+            </a:r>
+          </a:p>
+        </p:txBody>
+      </p:sp>
+      <p:sp>
+        <p:nvSpPr>
+          <p:cNvPr id="3" name="TextBox 2"/>
+          <p:cNvSpPr txBox="1"/>
+          <p:nvPr/>
+        </p:nvSpPr>
+        <p:spPr>
+          <a:xfrm>
+            <a:off x="0" y="3939902"/>
+            <a:ext cx="9144000" cy="646331"/>
+          </a:xfrm>
+          <a:prstGeom prst="rect">
+            <a:avLst/>
+          </a:prstGeom>
+          <a:noFill/>
+        </p:spPr>
+        <p:txBody>
+          <a:bodyPr wrap="square" rtlCol="0">
+            <a:spAutoFit/>
+          </a:bodyPr>
+          <a:lstStyle/>
+          <a:p>
+            <a:pPr algn="ctr"/>
+            <a:r>
+              <a:rPr lang="en-US" sz="3600" b="1" dirty="0">
                 <a:solidFill>
                   <a:srgbClr val="660033"/>
                 </a:solidFill>
-                <a:latin typeface="微軟正黑體" pitchFamily="34" charset="-120"/>
-                <a:ea typeface="微軟正黑體" pitchFamily="34" charset="-120"/>
+                <a:effectLst/>
+                <a:latin typeface="Microsoft JhengHei" panose="020B0604030504040204" pitchFamily="34" charset="-120"/>
+                <a:ea typeface="Microsoft JhengHei" panose="020B0604030504040204" pitchFamily="34" charset="-120"/>
               </a:rPr>
-              <a:t>利路亞</a:t>
-            </a:r>
+              <a:t>( </a:t>
+            </a:r>
+            <a:r>
+              <a:rPr lang="zh-CN" altLang="en-US" sz="3600" b="1" dirty="0" smtClean="0">
+                <a:solidFill>
+                  <a:srgbClr val="660033"/>
+                </a:solidFill>
+                <a:effectLst/>
+                <a:latin typeface="Microsoft JhengHei" panose="020B0604030504040204" pitchFamily="34" charset="-120"/>
+                <a:ea typeface="Microsoft JhengHei" panose="020B0604030504040204" pitchFamily="34" charset="-120"/>
+              </a:rPr>
+              <a:t>副</a:t>
+            </a:r>
+            <a:r>
+              <a:rPr lang="en-US" sz="3600" b="1" dirty="0" smtClean="0">
+                <a:solidFill>
+                  <a:srgbClr val="660033"/>
+                </a:solidFill>
+                <a:effectLst/>
+                <a:latin typeface="Microsoft JhengHei" panose="020B0604030504040204" pitchFamily="34" charset="-120"/>
+                <a:ea typeface="Microsoft JhengHei" panose="020B0604030504040204" pitchFamily="34" charset="-120"/>
+              </a:rPr>
+              <a:t> </a:t>
+            </a:r>
+            <a:r>
+              <a:rPr lang="en-US" sz="3600" b="1" dirty="0">
+                <a:solidFill>
+                  <a:srgbClr val="660033"/>
+                </a:solidFill>
+                <a:effectLst/>
+                <a:latin typeface="Microsoft JhengHei" panose="020B0604030504040204" pitchFamily="34" charset="-120"/>
+                <a:ea typeface="Microsoft JhengHei" panose="020B0604030504040204" pitchFamily="34" charset="-120"/>
+              </a:rPr>
+              <a:t>)</a:t>
+            </a:r>
+            <a:endParaRPr lang="vi-VN" sz="3600" b="1" dirty="0">
+              <a:solidFill>
+                <a:srgbClr val="660033"/>
+              </a:solidFill>
+              <a:effectLst/>
+              <a:ea typeface="Microsoft JhengHei" panose="020B0604030504040204" pitchFamily="34" charset="-120"/>
+            </a:endParaRPr>
           </a:p>
         </p:txBody>
       </p:sp>

--- a/一切歌頌讚美(崇拜版).pptx
+++ b/一切歌頌讚美(崇拜版).pptx
@@ -309,7 +309,7 @@
           <a:p>
             <a:fld id="{BFEB1A99-8C3F-4D98-8584-B5DB38B1A655}" type="datetimeFigureOut">
               <a:rPr lang="zh-TW" altLang="en-US" smtClean="0"/>
-              <a:t>2022/1/7</a:t>
+              <a:t>2022/5/21</a:t>
             </a:fld>
             <a:endParaRPr lang="zh-TW" altLang="en-US"/>
           </a:p>
@@ -474,7 +474,7 @@
           <a:p>
             <a:fld id="{BFEB1A99-8C3F-4D98-8584-B5DB38B1A655}" type="datetimeFigureOut">
               <a:rPr lang="zh-TW" altLang="en-US" smtClean="0"/>
-              <a:t>2022/1/7</a:t>
+              <a:t>2022/5/21</a:t>
             </a:fld>
             <a:endParaRPr lang="zh-TW" altLang="en-US"/>
           </a:p>
@@ -649,7 +649,7 @@
           <a:p>
             <a:fld id="{BFEB1A99-8C3F-4D98-8584-B5DB38B1A655}" type="datetimeFigureOut">
               <a:rPr lang="zh-TW" altLang="en-US" smtClean="0"/>
-              <a:t>2022/1/7</a:t>
+              <a:t>2022/5/21</a:t>
             </a:fld>
             <a:endParaRPr lang="zh-TW" altLang="en-US"/>
           </a:p>
@@ -814,7 +814,7 @@
           <a:p>
             <a:fld id="{BFEB1A99-8C3F-4D98-8584-B5DB38B1A655}" type="datetimeFigureOut">
               <a:rPr lang="zh-TW" altLang="en-US" smtClean="0"/>
-              <a:t>2022/1/7</a:t>
+              <a:t>2022/5/21</a:t>
             </a:fld>
             <a:endParaRPr lang="zh-TW" altLang="en-US"/>
           </a:p>
@@ -1055,7 +1055,7 @@
           <a:p>
             <a:fld id="{BFEB1A99-8C3F-4D98-8584-B5DB38B1A655}" type="datetimeFigureOut">
               <a:rPr lang="zh-TW" altLang="en-US" smtClean="0"/>
-              <a:t>2022/1/7</a:t>
+              <a:t>2022/5/21</a:t>
             </a:fld>
             <a:endParaRPr lang="zh-TW" altLang="en-US"/>
           </a:p>
@@ -1338,7 +1338,7 @@
           <a:p>
             <a:fld id="{BFEB1A99-8C3F-4D98-8584-B5DB38B1A655}" type="datetimeFigureOut">
               <a:rPr lang="zh-TW" altLang="en-US" smtClean="0"/>
-              <a:t>2022/1/7</a:t>
+              <a:t>2022/5/21</a:t>
             </a:fld>
             <a:endParaRPr lang="zh-TW" altLang="en-US"/>
           </a:p>
@@ -1755,7 +1755,7 @@
           <a:p>
             <a:fld id="{BFEB1A99-8C3F-4D98-8584-B5DB38B1A655}" type="datetimeFigureOut">
               <a:rPr lang="zh-TW" altLang="en-US" smtClean="0"/>
-              <a:t>2022/1/7</a:t>
+              <a:t>2022/5/21</a:t>
             </a:fld>
             <a:endParaRPr lang="zh-TW" altLang="en-US"/>
           </a:p>
@@ -1868,7 +1868,7 @@
           <a:p>
             <a:fld id="{BFEB1A99-8C3F-4D98-8584-B5DB38B1A655}" type="datetimeFigureOut">
               <a:rPr lang="zh-TW" altLang="en-US" smtClean="0"/>
-              <a:t>2022/1/7</a:t>
+              <a:t>2022/5/21</a:t>
             </a:fld>
             <a:endParaRPr lang="zh-TW" altLang="en-US"/>
           </a:p>
@@ -1958,7 +1958,7 @@
           <a:p>
             <a:fld id="{BFEB1A99-8C3F-4D98-8584-B5DB38B1A655}" type="datetimeFigureOut">
               <a:rPr lang="zh-TW" altLang="en-US" smtClean="0"/>
-              <a:t>2022/1/7</a:t>
+              <a:t>2022/5/21</a:t>
             </a:fld>
             <a:endParaRPr lang="zh-TW" altLang="en-US"/>
           </a:p>
@@ -2230,7 +2230,7 @@
           <a:p>
             <a:fld id="{BFEB1A99-8C3F-4D98-8584-B5DB38B1A655}" type="datetimeFigureOut">
               <a:rPr lang="zh-TW" altLang="en-US" smtClean="0"/>
-              <a:t>2022/1/7</a:t>
+              <a:t>2022/5/21</a:t>
             </a:fld>
             <a:endParaRPr lang="zh-TW" altLang="en-US"/>
           </a:p>
@@ -2482,7 +2482,7 @@
           <a:p>
             <a:fld id="{BFEB1A99-8C3F-4D98-8584-B5DB38B1A655}" type="datetimeFigureOut">
               <a:rPr lang="zh-TW" altLang="en-US" smtClean="0"/>
-              <a:t>2022/1/7</a:t>
+              <a:t>2022/5/21</a:t>
             </a:fld>
             <a:endParaRPr lang="zh-TW" altLang="en-US"/>
           </a:p>
@@ -2695,7 +2695,7 @@
           <a:p>
             <a:fld id="{BFEB1A99-8C3F-4D98-8584-B5DB38B1A655}" type="datetimeFigureOut">
               <a:rPr lang="zh-TW" altLang="en-US" smtClean="0"/>
-              <a:t>2022/1/7</a:t>
+              <a:t>2022/5/21</a:t>
             </a:fld>
             <a:endParaRPr lang="zh-TW" altLang="en-US"/>
           </a:p>
@@ -3077,7 +3077,7 @@
         </p:nvSpPr>
         <p:spPr>
           <a:xfrm>
-            <a:off x="0" y="2143135"/>
+            <a:off x="0" y="2067694"/>
             <a:ext cx="9144000" cy="857250"/>
           </a:xfrm>
         </p:spPr>

--- a/一切歌頌讚美(崇拜版).pptx
+++ b/一切歌頌讚美(崇拜版).pptx
@@ -309,7 +309,7 @@
           <a:p>
             <a:fld id="{BFEB1A99-8C3F-4D98-8584-B5DB38B1A655}" type="datetimeFigureOut">
               <a:rPr lang="zh-TW" altLang="en-US" smtClean="0"/>
-              <a:t>2022/5/21</a:t>
+              <a:t>2023/10/21</a:t>
             </a:fld>
             <a:endParaRPr lang="zh-TW" altLang="en-US"/>
           </a:p>
@@ -474,7 +474,7 @@
           <a:p>
             <a:fld id="{BFEB1A99-8C3F-4D98-8584-B5DB38B1A655}" type="datetimeFigureOut">
               <a:rPr lang="zh-TW" altLang="en-US" smtClean="0"/>
-              <a:t>2022/5/21</a:t>
+              <a:t>2023/10/21</a:t>
             </a:fld>
             <a:endParaRPr lang="zh-TW" altLang="en-US"/>
           </a:p>
@@ -649,7 +649,7 @@
           <a:p>
             <a:fld id="{BFEB1A99-8C3F-4D98-8584-B5DB38B1A655}" type="datetimeFigureOut">
               <a:rPr lang="zh-TW" altLang="en-US" smtClean="0"/>
-              <a:t>2022/5/21</a:t>
+              <a:t>2023/10/21</a:t>
             </a:fld>
             <a:endParaRPr lang="zh-TW" altLang="en-US"/>
           </a:p>
@@ -814,7 +814,7 @@
           <a:p>
             <a:fld id="{BFEB1A99-8C3F-4D98-8584-B5DB38B1A655}" type="datetimeFigureOut">
               <a:rPr lang="zh-TW" altLang="en-US" smtClean="0"/>
-              <a:t>2022/5/21</a:t>
+              <a:t>2023/10/21</a:t>
             </a:fld>
             <a:endParaRPr lang="zh-TW" altLang="en-US"/>
           </a:p>
@@ -1055,7 +1055,7 @@
           <a:p>
             <a:fld id="{BFEB1A99-8C3F-4D98-8584-B5DB38B1A655}" type="datetimeFigureOut">
               <a:rPr lang="zh-TW" altLang="en-US" smtClean="0"/>
-              <a:t>2022/5/21</a:t>
+              <a:t>2023/10/21</a:t>
             </a:fld>
             <a:endParaRPr lang="zh-TW" altLang="en-US"/>
           </a:p>
@@ -1338,7 +1338,7 @@
           <a:p>
             <a:fld id="{BFEB1A99-8C3F-4D98-8584-B5DB38B1A655}" type="datetimeFigureOut">
               <a:rPr lang="zh-TW" altLang="en-US" smtClean="0"/>
-              <a:t>2022/5/21</a:t>
+              <a:t>2023/10/21</a:t>
             </a:fld>
             <a:endParaRPr lang="zh-TW" altLang="en-US"/>
           </a:p>
@@ -1755,7 +1755,7 @@
           <a:p>
             <a:fld id="{BFEB1A99-8C3F-4D98-8584-B5DB38B1A655}" type="datetimeFigureOut">
               <a:rPr lang="zh-TW" altLang="en-US" smtClean="0"/>
-              <a:t>2022/5/21</a:t>
+              <a:t>2023/10/21</a:t>
             </a:fld>
             <a:endParaRPr lang="zh-TW" altLang="en-US"/>
           </a:p>
@@ -1868,7 +1868,7 @@
           <a:p>
             <a:fld id="{BFEB1A99-8C3F-4D98-8584-B5DB38B1A655}" type="datetimeFigureOut">
               <a:rPr lang="zh-TW" altLang="en-US" smtClean="0"/>
-              <a:t>2022/5/21</a:t>
+              <a:t>2023/10/21</a:t>
             </a:fld>
             <a:endParaRPr lang="zh-TW" altLang="en-US"/>
           </a:p>
@@ -1958,7 +1958,7 @@
           <a:p>
             <a:fld id="{BFEB1A99-8C3F-4D98-8584-B5DB38B1A655}" type="datetimeFigureOut">
               <a:rPr lang="zh-TW" altLang="en-US" smtClean="0"/>
-              <a:t>2022/5/21</a:t>
+              <a:t>2023/10/21</a:t>
             </a:fld>
             <a:endParaRPr lang="zh-TW" altLang="en-US"/>
           </a:p>
@@ -2230,7 +2230,7 @@
           <a:p>
             <a:fld id="{BFEB1A99-8C3F-4D98-8584-B5DB38B1A655}" type="datetimeFigureOut">
               <a:rPr lang="zh-TW" altLang="en-US" smtClean="0"/>
-              <a:t>2022/5/21</a:t>
+              <a:t>2023/10/21</a:t>
             </a:fld>
             <a:endParaRPr lang="zh-TW" altLang="en-US"/>
           </a:p>
@@ -2482,7 +2482,7 @@
           <a:p>
             <a:fld id="{BFEB1A99-8C3F-4D98-8584-B5DB38B1A655}" type="datetimeFigureOut">
               <a:rPr lang="zh-TW" altLang="en-US" smtClean="0"/>
-              <a:t>2022/5/21</a:t>
+              <a:t>2023/10/21</a:t>
             </a:fld>
             <a:endParaRPr lang="zh-TW" altLang="en-US"/>
           </a:p>
@@ -2695,7 +2695,7 @@
           <a:p>
             <a:fld id="{BFEB1A99-8C3F-4D98-8584-B5DB38B1A655}" type="datetimeFigureOut">
               <a:rPr lang="zh-TW" altLang="en-US" smtClean="0"/>
-              <a:t>2022/5/21</a:t>
+              <a:t>2023/10/21</a:t>
             </a:fld>
             <a:endParaRPr lang="zh-TW" altLang="en-US"/>
           </a:p>
@@ -3222,24 +3222,34 @@
               <a:buNone/>
             </a:pPr>
             <a:r>
-              <a:rPr lang="zh-CN" altLang="en-US" sz="4800" b="1" dirty="0">
+              <a:rPr lang="zh-CN" altLang="en-US" sz="4800" b="1" smtClean="0">
                 <a:solidFill>
                   <a:srgbClr val="660033"/>
                 </a:solidFill>
                 <a:latin typeface="微軟正黑體" pitchFamily="34" charset="-120"/>
                 <a:ea typeface="微軟正黑體" pitchFamily="34" charset="-120"/>
               </a:rPr>
-              <a:t>袮</a:t>
-            </a:r>
-            <a:r>
-              <a:rPr lang="zh-TW" altLang="en-US" sz="4800" b="1" dirty="0">
+              <a:t>祢</a:t>
+            </a:r>
+            <a:r>
+              <a:rPr lang="zh-TW" altLang="en-US" sz="4800" b="1" dirty="0" smtClean="0">
                 <a:solidFill>
                   <a:srgbClr val="660033"/>
                 </a:solidFill>
                 <a:latin typeface="微軟正黑體" pitchFamily="34" charset="-120"/>
                 <a:ea typeface="微軟正黑體" pitchFamily="34" charset="-120"/>
               </a:rPr>
-              <a:t>是配得歌頌與讚美</a:t>
+              <a:t>是</a:t>
+            </a:r>
+            <a:r>
+              <a:rPr lang="zh-TW" altLang="en-US" sz="4800" b="1" dirty="0">
+                <a:solidFill>
+                  <a:srgbClr val="660033"/>
+                </a:solidFill>
+                <a:latin typeface="微軟正黑體" pitchFamily="34" charset="-120"/>
+                <a:ea typeface="微軟正黑體" pitchFamily="34" charset="-120"/>
+              </a:rPr>
+              <a:t>配得歌頌與讚美</a:t>
             </a:r>
             <a:endParaRPr lang="en-US" altLang="zh-TW" sz="4800" b="1" dirty="0">
               <a:solidFill>
@@ -3260,7 +3270,7 @@
         <p:spPr>
           <a:xfrm>
             <a:off x="0" y="3939902"/>
-            <a:ext cx="9144000" cy="646331"/>
+            <a:ext cx="9144000" cy="523220"/>
           </a:xfrm>
           <a:prstGeom prst="rect">
             <a:avLst/>
@@ -3275,7 +3285,7 @@
           <a:p>
             <a:pPr algn="ctr"/>
             <a:r>
-              <a:rPr lang="en-US" sz="3600" b="1" dirty="0">
+              <a:rPr lang="en-US" sz="2800" b="1" dirty="0">
                 <a:solidFill>
                   <a:srgbClr val="660033"/>
                 </a:solidFill>
@@ -3286,7 +3296,7 @@
               <a:t>( </a:t>
             </a:r>
             <a:r>
-              <a:rPr lang="zh-CN" altLang="en-US" sz="3600" b="1" dirty="0" smtClean="0">
+              <a:rPr lang="zh-CN" altLang="en-US" sz="2800" b="1" dirty="0" smtClean="0">
                 <a:solidFill>
                   <a:srgbClr val="660033"/>
                 </a:solidFill>
@@ -3294,10 +3304,10 @@
                 <a:latin typeface="Microsoft JhengHei" panose="020B0604030504040204" pitchFamily="34" charset="-120"/>
                 <a:ea typeface="Microsoft JhengHei" panose="020B0604030504040204" pitchFamily="34" charset="-120"/>
               </a:rPr>
-              <a:t>正</a:t>
-            </a:r>
-            <a:r>
-              <a:rPr lang="en-US" sz="3600" b="1" dirty="0" smtClean="0">
+              <a:t>正歌</a:t>
+            </a:r>
+            <a:r>
+              <a:rPr lang="en-US" sz="2800" b="1" dirty="0" smtClean="0">
                 <a:solidFill>
                   <a:srgbClr val="660033"/>
                 </a:solidFill>
@@ -3308,7 +3318,7 @@
               <a:t> </a:t>
             </a:r>
             <a:r>
-              <a:rPr lang="en-US" sz="3600" b="1" dirty="0">
+              <a:rPr lang="en-US" sz="2800" b="1" dirty="0">
                 <a:solidFill>
                   <a:srgbClr val="660033"/>
                 </a:solidFill>
@@ -3318,7 +3328,7 @@
               </a:rPr>
               <a:t>)</a:t>
             </a:r>
-            <a:endParaRPr lang="vi-VN" sz="3600" b="1" dirty="0">
+            <a:endParaRPr lang="vi-VN" sz="2800" b="1" dirty="0">
               <a:solidFill>
                 <a:srgbClr val="660033"/>
               </a:solidFill>
@@ -3427,7 +3437,7 @@
         <p:spPr>
           <a:xfrm>
             <a:off x="0" y="3939902"/>
-            <a:ext cx="9144000" cy="646331"/>
+            <a:ext cx="9144000" cy="523220"/>
           </a:xfrm>
           <a:prstGeom prst="rect">
             <a:avLst/>
@@ -3442,54 +3452,39 @@
           <a:p>
             <a:pPr algn="ctr"/>
             <a:r>
-              <a:rPr lang="en-US" sz="3600" b="1" dirty="0">
+              <a:rPr lang="en-US" sz="2800" b="1" dirty="0">
                 <a:solidFill>
                   <a:srgbClr val="660033"/>
                 </a:solidFill>
-                <a:effectLst/>
                 <a:latin typeface="Microsoft JhengHei" panose="020B0604030504040204" pitchFamily="34" charset="-120"/>
                 <a:ea typeface="Microsoft JhengHei" panose="020B0604030504040204" pitchFamily="34" charset="-120"/>
               </a:rPr>
               <a:t>( </a:t>
             </a:r>
             <a:r>
-              <a:rPr lang="zh-CN" altLang="en-US" sz="3600" b="1" dirty="0" smtClean="0">
+              <a:rPr lang="zh-CN" altLang="en-US" sz="2800" b="1" dirty="0">
                 <a:solidFill>
                   <a:srgbClr val="660033"/>
                 </a:solidFill>
-                <a:effectLst/>
                 <a:latin typeface="Microsoft JhengHei" panose="020B0604030504040204" pitchFamily="34" charset="-120"/>
                 <a:ea typeface="Microsoft JhengHei" panose="020B0604030504040204" pitchFamily="34" charset="-120"/>
               </a:rPr>
-              <a:t>正</a:t>
-            </a:r>
-            <a:r>
-              <a:rPr lang="en-US" sz="3600" b="1" dirty="0" smtClean="0">
+              <a:t>正歌</a:t>
+            </a:r>
+            <a:r>
+              <a:rPr lang="en-US" sz="2800" b="1" dirty="0">
                 <a:solidFill>
                   <a:srgbClr val="660033"/>
                 </a:solidFill>
-                <a:effectLst/>
                 <a:latin typeface="Microsoft JhengHei" panose="020B0604030504040204" pitchFamily="34" charset="-120"/>
                 <a:ea typeface="Microsoft JhengHei" panose="020B0604030504040204" pitchFamily="34" charset="-120"/>
               </a:rPr>
-              <a:t> </a:t>
-            </a:r>
-            <a:r>
-              <a:rPr lang="en-US" sz="3600" b="1" dirty="0">
-                <a:solidFill>
-                  <a:srgbClr val="660033"/>
-                </a:solidFill>
-                <a:effectLst/>
-                <a:latin typeface="Microsoft JhengHei" panose="020B0604030504040204" pitchFamily="34" charset="-120"/>
-                <a:ea typeface="Microsoft JhengHei" panose="020B0604030504040204" pitchFamily="34" charset="-120"/>
-              </a:rPr>
-              <a:t>)</a:t>
-            </a:r>
-            <a:endParaRPr lang="vi-VN" sz="3600" b="1" dirty="0">
+              <a:t> )</a:t>
+            </a:r>
+            <a:endParaRPr lang="vi-VN" sz="2800" b="1" dirty="0">
               <a:solidFill>
                 <a:srgbClr val="660033"/>
               </a:solidFill>
-              <a:effectLst/>
               <a:ea typeface="Microsoft JhengHei" panose="020B0604030504040204" pitchFamily="34" charset="-120"/>
             </a:endParaRPr>
           </a:p>
@@ -3601,7 +3596,7 @@
         <p:spPr>
           <a:xfrm>
             <a:off x="0" y="3939902"/>
-            <a:ext cx="9144000" cy="646331"/>
+            <a:ext cx="9144000" cy="523220"/>
           </a:xfrm>
           <a:prstGeom prst="rect">
             <a:avLst/>
@@ -3616,54 +3611,49 @@
           <a:p>
             <a:pPr algn="ctr"/>
             <a:r>
-              <a:rPr lang="en-US" sz="3600" b="1" dirty="0">
+              <a:rPr lang="en-US" sz="2800" b="1" dirty="0">
                 <a:solidFill>
                   <a:srgbClr val="660033"/>
                 </a:solidFill>
-                <a:effectLst/>
                 <a:latin typeface="Microsoft JhengHei" panose="020B0604030504040204" pitchFamily="34" charset="-120"/>
                 <a:ea typeface="Microsoft JhengHei" panose="020B0604030504040204" pitchFamily="34" charset="-120"/>
               </a:rPr>
               <a:t>( </a:t>
             </a:r>
             <a:r>
-              <a:rPr lang="zh-CN" altLang="en-US" sz="3600" b="1" dirty="0" smtClean="0">
+              <a:rPr lang="zh-CN" altLang="en-US" sz="2800" b="1" dirty="0" smtClean="0">
                 <a:solidFill>
                   <a:srgbClr val="660033"/>
                 </a:solidFill>
-                <a:effectLst/>
                 <a:latin typeface="Microsoft JhengHei" panose="020B0604030504040204" pitchFamily="34" charset="-120"/>
                 <a:ea typeface="Microsoft JhengHei" panose="020B0604030504040204" pitchFamily="34" charset="-120"/>
               </a:rPr>
-              <a:t>副</a:t>
-            </a:r>
-            <a:r>
-              <a:rPr lang="en-US" sz="3600" b="1" dirty="0" smtClean="0">
+              <a:t>副歌</a:t>
+            </a:r>
+            <a:r>
+              <a:rPr lang="en-US" sz="2800" b="1" dirty="0" smtClean="0">
                 <a:solidFill>
                   <a:srgbClr val="660033"/>
                 </a:solidFill>
-                <a:effectLst/>
                 <a:latin typeface="Microsoft JhengHei" panose="020B0604030504040204" pitchFamily="34" charset="-120"/>
                 <a:ea typeface="Microsoft JhengHei" panose="020B0604030504040204" pitchFamily="34" charset="-120"/>
               </a:rPr>
               <a:t> </a:t>
             </a:r>
             <a:r>
-              <a:rPr lang="en-US" sz="3600" b="1" dirty="0">
+              <a:rPr lang="en-US" sz="2800" b="1" dirty="0">
                 <a:solidFill>
                   <a:srgbClr val="660033"/>
                 </a:solidFill>
-                <a:effectLst/>
                 <a:latin typeface="Microsoft JhengHei" panose="020B0604030504040204" pitchFamily="34" charset="-120"/>
                 <a:ea typeface="Microsoft JhengHei" panose="020B0604030504040204" pitchFamily="34" charset="-120"/>
               </a:rPr>
               <a:t>)</a:t>
             </a:r>
-            <a:endParaRPr lang="vi-VN" sz="3600" b="1" dirty="0">
+            <a:endParaRPr lang="vi-VN" sz="2800" b="1" dirty="0">
               <a:solidFill>
                 <a:srgbClr val="660033"/>
               </a:solidFill>
-              <a:effectLst/>
               <a:ea typeface="Microsoft JhengHei" panose="020B0604030504040204" pitchFamily="34" charset="-120"/>
             </a:endParaRPr>
           </a:p>
@@ -3753,7 +3743,7 @@
         <p:spPr>
           <a:xfrm>
             <a:off x="0" y="3939902"/>
-            <a:ext cx="9144000" cy="646331"/>
+            <a:ext cx="9144000" cy="523220"/>
           </a:xfrm>
           <a:prstGeom prst="rect">
             <a:avLst/>
@@ -3768,54 +3758,39 @@
           <a:p>
             <a:pPr algn="ctr"/>
             <a:r>
-              <a:rPr lang="en-US" sz="3600" b="1" dirty="0">
+              <a:rPr lang="en-US" sz="2800" b="1" dirty="0">
                 <a:solidFill>
                   <a:srgbClr val="660033"/>
                 </a:solidFill>
-                <a:effectLst/>
                 <a:latin typeface="Microsoft JhengHei" panose="020B0604030504040204" pitchFamily="34" charset="-120"/>
                 <a:ea typeface="Microsoft JhengHei" panose="020B0604030504040204" pitchFamily="34" charset="-120"/>
               </a:rPr>
               <a:t>( </a:t>
             </a:r>
             <a:r>
-              <a:rPr lang="zh-CN" altLang="en-US" sz="3600" b="1" dirty="0" smtClean="0">
+              <a:rPr lang="zh-CN" altLang="en-US" sz="2800" b="1" dirty="0">
                 <a:solidFill>
                   <a:srgbClr val="660033"/>
                 </a:solidFill>
-                <a:effectLst/>
                 <a:latin typeface="Microsoft JhengHei" panose="020B0604030504040204" pitchFamily="34" charset="-120"/>
                 <a:ea typeface="Microsoft JhengHei" panose="020B0604030504040204" pitchFamily="34" charset="-120"/>
               </a:rPr>
-              <a:t>副</a:t>
-            </a:r>
-            <a:r>
-              <a:rPr lang="en-US" sz="3600" b="1" dirty="0" smtClean="0">
+              <a:t>副歌</a:t>
+            </a:r>
+            <a:r>
+              <a:rPr lang="en-US" sz="2800" b="1" dirty="0">
                 <a:solidFill>
                   <a:srgbClr val="660033"/>
                 </a:solidFill>
-                <a:effectLst/>
                 <a:latin typeface="Microsoft JhengHei" panose="020B0604030504040204" pitchFamily="34" charset="-120"/>
                 <a:ea typeface="Microsoft JhengHei" panose="020B0604030504040204" pitchFamily="34" charset="-120"/>
               </a:rPr>
-              <a:t> </a:t>
-            </a:r>
-            <a:r>
-              <a:rPr lang="en-US" sz="3600" b="1" dirty="0">
-                <a:solidFill>
-                  <a:srgbClr val="660033"/>
-                </a:solidFill>
-                <a:effectLst/>
-                <a:latin typeface="Microsoft JhengHei" panose="020B0604030504040204" pitchFamily="34" charset="-120"/>
-                <a:ea typeface="Microsoft JhengHei" panose="020B0604030504040204" pitchFamily="34" charset="-120"/>
-              </a:rPr>
-              <a:t>)</a:t>
-            </a:r>
-            <a:endParaRPr lang="vi-VN" sz="3600" b="1" dirty="0">
+              <a:t> )</a:t>
+            </a:r>
+            <a:endParaRPr lang="vi-VN" sz="2800" b="1" dirty="0">
               <a:solidFill>
                 <a:srgbClr val="660033"/>
               </a:solidFill>
-              <a:effectLst/>
               <a:ea typeface="Microsoft JhengHei" panose="020B0604030504040204" pitchFamily="34" charset="-120"/>
             </a:endParaRPr>
           </a:p>
@@ -3940,7 +3915,7 @@
         <p:spPr>
           <a:xfrm>
             <a:off x="0" y="3939902"/>
-            <a:ext cx="9144000" cy="646331"/>
+            <a:ext cx="9144000" cy="523220"/>
           </a:xfrm>
           <a:prstGeom prst="rect">
             <a:avLst/>
@@ -3955,54 +3930,39 @@
           <a:p>
             <a:pPr algn="ctr"/>
             <a:r>
-              <a:rPr lang="en-US" sz="3600" b="1" dirty="0">
+              <a:rPr lang="en-US" sz="2800" b="1" dirty="0">
                 <a:solidFill>
                   <a:srgbClr val="660033"/>
                 </a:solidFill>
-                <a:effectLst/>
                 <a:latin typeface="Microsoft JhengHei" panose="020B0604030504040204" pitchFamily="34" charset="-120"/>
                 <a:ea typeface="Microsoft JhengHei" panose="020B0604030504040204" pitchFamily="34" charset="-120"/>
               </a:rPr>
               <a:t>( </a:t>
             </a:r>
             <a:r>
-              <a:rPr lang="zh-CN" altLang="en-US" sz="3600" b="1" dirty="0" smtClean="0">
+              <a:rPr lang="zh-CN" altLang="en-US" sz="2800" b="1" dirty="0">
                 <a:solidFill>
                   <a:srgbClr val="660033"/>
                 </a:solidFill>
-                <a:effectLst/>
                 <a:latin typeface="Microsoft JhengHei" panose="020B0604030504040204" pitchFamily="34" charset="-120"/>
                 <a:ea typeface="Microsoft JhengHei" panose="020B0604030504040204" pitchFamily="34" charset="-120"/>
               </a:rPr>
-              <a:t>副</a:t>
-            </a:r>
-            <a:r>
-              <a:rPr lang="en-US" sz="3600" b="1" dirty="0" smtClean="0">
+              <a:t>副歌</a:t>
+            </a:r>
+            <a:r>
+              <a:rPr lang="en-US" sz="2800" b="1" dirty="0">
                 <a:solidFill>
                   <a:srgbClr val="660033"/>
                 </a:solidFill>
-                <a:effectLst/>
                 <a:latin typeface="Microsoft JhengHei" panose="020B0604030504040204" pitchFamily="34" charset="-120"/>
                 <a:ea typeface="Microsoft JhengHei" panose="020B0604030504040204" pitchFamily="34" charset="-120"/>
               </a:rPr>
-              <a:t> </a:t>
-            </a:r>
-            <a:r>
-              <a:rPr lang="en-US" sz="3600" b="1" dirty="0">
-                <a:solidFill>
-                  <a:srgbClr val="660033"/>
-                </a:solidFill>
-                <a:effectLst/>
-                <a:latin typeface="Microsoft JhengHei" panose="020B0604030504040204" pitchFamily="34" charset="-120"/>
-                <a:ea typeface="Microsoft JhengHei" panose="020B0604030504040204" pitchFamily="34" charset="-120"/>
-              </a:rPr>
-              <a:t>)</a:t>
-            </a:r>
-            <a:endParaRPr lang="vi-VN" sz="3600" b="1" dirty="0">
+              <a:t> )</a:t>
+            </a:r>
+            <a:endParaRPr lang="vi-VN" sz="2800" b="1" dirty="0">
               <a:solidFill>
                 <a:srgbClr val="660033"/>
               </a:solidFill>
-              <a:effectLst/>
               <a:ea typeface="Microsoft JhengHei" panose="020B0604030504040204" pitchFamily="34" charset="-120"/>
             </a:endParaRPr>
           </a:p>
